--- a/resources/EN - Suit Database.pptx
+++ b/resources/EN - Suit Database.pptx
@@ -266,7 +266,7 @@
           <a:p>
             <a:fld id="{6705913C-D455-491B-A56E-B276DCE62E7A}" type="datetimeFigureOut">
               <a:rPr lang="it-IT" smtClean="0"/>
-              <a:t>04/03/2019</a:t>
+              <a:t>12/03/2019</a:t>
             </a:fld>
             <a:endParaRPr lang="it-IT"/>
           </a:p>
@@ -436,7 +436,7 @@
           <a:p>
             <a:fld id="{6705913C-D455-491B-A56E-B276DCE62E7A}" type="datetimeFigureOut">
               <a:rPr lang="it-IT" smtClean="0"/>
-              <a:t>04/03/2019</a:t>
+              <a:t>12/03/2019</a:t>
             </a:fld>
             <a:endParaRPr lang="it-IT"/>
           </a:p>
@@ -616,7 +616,7 @@
           <a:p>
             <a:fld id="{6705913C-D455-491B-A56E-B276DCE62E7A}" type="datetimeFigureOut">
               <a:rPr lang="it-IT" smtClean="0"/>
-              <a:t>04/03/2019</a:t>
+              <a:t>12/03/2019</a:t>
             </a:fld>
             <a:endParaRPr lang="it-IT"/>
           </a:p>
@@ -846,7 +846,7 @@
           <a:p>
             <a:fld id="{6705913C-D455-491B-A56E-B276DCE62E7A}" type="datetimeFigureOut">
               <a:rPr lang="it-IT" smtClean="0"/>
-              <a:t>04/03/2019</a:t>
+              <a:t>12/03/2019</a:t>
             </a:fld>
             <a:endParaRPr lang="it-IT"/>
           </a:p>
@@ -1171,7 +1171,7 @@
           <a:p>
             <a:fld id="{6705913C-D455-491B-A56E-B276DCE62E7A}" type="datetimeFigureOut">
               <a:rPr lang="it-IT" smtClean="0"/>
-              <a:t>04/03/2019</a:t>
+              <a:t>12/03/2019</a:t>
             </a:fld>
             <a:endParaRPr lang="it-IT"/>
           </a:p>
@@ -1448,7 +1448,7 @@
           <a:p>
             <a:fld id="{6705913C-D455-491B-A56E-B276DCE62E7A}" type="datetimeFigureOut">
               <a:rPr lang="it-IT" smtClean="0"/>
-              <a:t>04/03/2019</a:t>
+              <a:t>12/03/2019</a:t>
             </a:fld>
             <a:endParaRPr lang="it-IT"/>
           </a:p>
@@ -1842,7 +1842,7 @@
           <a:p>
             <a:fld id="{6705913C-D455-491B-A56E-B276DCE62E7A}" type="datetimeFigureOut">
               <a:rPr lang="it-IT" smtClean="0"/>
-              <a:t>04/03/2019</a:t>
+              <a:t>12/03/2019</a:t>
             </a:fld>
             <a:endParaRPr lang="it-IT"/>
           </a:p>
@@ -2319,7 +2319,7 @@
           <a:p>
             <a:fld id="{6705913C-D455-491B-A56E-B276DCE62E7A}" type="datetimeFigureOut">
               <a:rPr lang="it-IT" smtClean="0"/>
-              <a:t>04/03/2019</a:t>
+              <a:t>12/03/2019</a:t>
             </a:fld>
             <a:endParaRPr lang="it-IT"/>
           </a:p>
@@ -2437,7 +2437,7 @@
           <a:p>
             <a:fld id="{6705913C-D455-491B-A56E-B276DCE62E7A}" type="datetimeFigureOut">
               <a:rPr lang="it-IT" smtClean="0"/>
-              <a:t>04/03/2019</a:t>
+              <a:t>12/03/2019</a:t>
             </a:fld>
             <a:endParaRPr lang="it-IT"/>
           </a:p>
@@ -2532,7 +2532,7 @@
           <a:p>
             <a:fld id="{6705913C-D455-491B-A56E-B276DCE62E7A}" type="datetimeFigureOut">
               <a:rPr lang="it-IT" smtClean="0"/>
-              <a:t>04/03/2019</a:t>
+              <a:t>12/03/2019</a:t>
             </a:fld>
             <a:endParaRPr lang="it-IT"/>
           </a:p>
@@ -2878,7 +2878,7 @@
           <a:p>
             <a:fld id="{6705913C-D455-491B-A56E-B276DCE62E7A}" type="datetimeFigureOut">
               <a:rPr lang="it-IT" smtClean="0"/>
-              <a:t>04/03/2019</a:t>
+              <a:t>12/03/2019</a:t>
             </a:fld>
             <a:endParaRPr lang="it-IT"/>
           </a:p>
@@ -3112,7 +3112,7 @@
           <a:p>
             <a:fld id="{6705913C-D455-491B-A56E-B276DCE62E7A}" type="datetimeFigureOut">
               <a:rPr lang="it-IT" smtClean="0"/>
-              <a:t>04/03/2019</a:t>
+              <a:t>12/03/2019</a:t>
             </a:fld>
             <a:endParaRPr lang="it-IT"/>
           </a:p>
@@ -3436,7 +3436,7 @@
           <a:p>
             <a:fld id="{6705913C-D455-491B-A56E-B276DCE62E7A}" type="datetimeFigureOut">
               <a:rPr lang="it-IT" smtClean="0"/>
-              <a:t>04/03/2019</a:t>
+              <a:t>12/03/2019</a:t>
             </a:fld>
             <a:endParaRPr lang="it-IT"/>
           </a:p>
@@ -3675,7 +3675,7 @@
           <a:p>
             <a:fld id="{6705913C-D455-491B-A56E-B276DCE62E7A}" type="datetimeFigureOut">
               <a:rPr lang="it-IT" smtClean="0"/>
-              <a:t>04/03/2019</a:t>
+              <a:t>12/03/2019</a:t>
             </a:fld>
             <a:endParaRPr lang="it-IT"/>
           </a:p>
@@ -3855,7 +3855,7 @@
           <a:p>
             <a:fld id="{6705913C-D455-491B-A56E-B276DCE62E7A}" type="datetimeFigureOut">
               <a:rPr lang="it-IT" smtClean="0"/>
-              <a:t>04/03/2019</a:t>
+              <a:t>12/03/2019</a:t>
             </a:fld>
             <a:endParaRPr lang="it-IT"/>
           </a:p>
@@ -4106,7 +4106,7 @@
           <a:p>
             <a:fld id="{6705913C-D455-491B-A56E-B276DCE62E7A}" type="datetimeFigureOut">
               <a:rPr lang="it-IT" smtClean="0"/>
-              <a:t>04/03/2019</a:t>
+              <a:t>12/03/2019</a:t>
             </a:fld>
             <a:endParaRPr lang="it-IT"/>
           </a:p>
@@ -4338,7 +4338,7 @@
           <a:p>
             <a:fld id="{6705913C-D455-491B-A56E-B276DCE62E7A}" type="datetimeFigureOut">
               <a:rPr lang="it-IT" smtClean="0"/>
-              <a:t>04/03/2019</a:t>
+              <a:t>12/03/2019</a:t>
             </a:fld>
             <a:endParaRPr lang="it-IT"/>
           </a:p>
@@ -4685,7 +4685,7 @@
           <a:p>
             <a:fld id="{6705913C-D455-491B-A56E-B276DCE62E7A}" type="datetimeFigureOut">
               <a:rPr lang="it-IT" smtClean="0"/>
-              <a:t>04/03/2019</a:t>
+              <a:t>12/03/2019</a:t>
             </a:fld>
             <a:endParaRPr lang="it-IT"/>
           </a:p>
@@ -4803,7 +4803,7 @@
           <a:p>
             <a:fld id="{6705913C-D455-491B-A56E-B276DCE62E7A}" type="datetimeFigureOut">
               <a:rPr lang="it-IT" smtClean="0"/>
-              <a:t>04/03/2019</a:t>
+              <a:t>12/03/2019</a:t>
             </a:fld>
             <a:endParaRPr lang="it-IT"/>
           </a:p>
@@ -4921,7 +4921,7 @@
           <a:p>
             <a:fld id="{6705913C-D455-491B-A56E-B276DCE62E7A}" type="datetimeFigureOut">
               <a:rPr lang="it-IT" smtClean="0"/>
-              <a:t>04/03/2019</a:t>
+              <a:t>12/03/2019</a:t>
             </a:fld>
             <a:endParaRPr lang="it-IT"/>
           </a:p>
@@ -5205,7 +5205,7 @@
           <a:p>
             <a:fld id="{6705913C-D455-491B-A56E-B276DCE62E7A}" type="datetimeFigureOut">
               <a:rPr lang="it-IT" smtClean="0"/>
-              <a:t>04/03/2019</a:t>
+              <a:t>12/03/2019</a:t>
             </a:fld>
             <a:endParaRPr lang="it-IT"/>
           </a:p>
@@ -5469,7 +5469,7 @@
           <a:p>
             <a:fld id="{6705913C-D455-491B-A56E-B276DCE62E7A}" type="datetimeFigureOut">
               <a:rPr lang="it-IT" smtClean="0"/>
-              <a:t>04/03/2019</a:t>
+              <a:t>12/03/2019</a:t>
             </a:fld>
             <a:endParaRPr lang="it-IT"/>
           </a:p>
@@ -5683,7 +5683,7 @@
           <a:p>
             <a:fld id="{6705913C-D455-491B-A56E-B276DCE62E7A}" type="datetimeFigureOut">
               <a:rPr lang="it-IT" smtClean="0"/>
-              <a:t>04/03/2019</a:t>
+              <a:t>12/03/2019</a:t>
             </a:fld>
             <a:endParaRPr lang="it-IT"/>
           </a:p>
@@ -6213,7 +6213,7 @@
           <a:p>
             <a:fld id="{6705913C-D455-491B-A56E-B276DCE62E7A}" type="datetimeFigureOut">
               <a:rPr lang="it-IT" smtClean="0"/>
-              <a:t>04/03/2019</a:t>
+              <a:t>12/03/2019</a:t>
             </a:fld>
             <a:endParaRPr lang="it-IT"/>
           </a:p>
@@ -7067,7 +7067,7 @@
       </p:pic>
       <p:sp>
         <p:nvSpPr>
-          <p:cNvPr id="11" name="Segnaposto contenuto 2"/>
+          <p:cNvPr id="12" name="Segnaposto contenuto 2"/>
           <p:cNvSpPr txBox="1">
             <a:spLocks/>
           </p:cNvSpPr>
@@ -7075,8 +7075,8 @@
         </p:nvSpPr>
         <p:spPr>
           <a:xfrm>
-            <a:off x="9984921" y="6486123"/>
-            <a:ext cx="2197606" cy="361406"/>
+            <a:off x="9313817" y="6486123"/>
+            <a:ext cx="2868710" cy="361406"/>
           </a:xfrm>
           <a:prstGeom prst="rect">
             <a:avLst/>
@@ -7256,13 +7256,22 @@
               <a:buNone/>
             </a:pPr>
             <a:r>
+              <a:rPr lang="it-IT" sz="1600" b="1" dirty="0" smtClean="0">
+                <a:solidFill>
+                  <a:srgbClr val="000000"/>
+                </a:solidFill>
+                <a:latin typeface="Avenir LT Std 35 Light" panose="020B0402020203020204" pitchFamily="34" charset="0"/>
+              </a:rPr>
+              <a:t>In </a:t>
+            </a:r>
+            <a:r>
               <a:rPr lang="it-IT" sz="1600" b="1" dirty="0" err="1" smtClean="0">
                 <a:solidFill>
                   <a:srgbClr val="000000"/>
                 </a:solidFill>
                 <a:latin typeface="Avenir LT Std 35 Light" panose="020B0402020203020204" pitchFamily="34" charset="0"/>
               </a:rPr>
-              <a:t>Being</a:t>
+              <a:t>phase</a:t>
             </a:r>
             <a:r>
               <a:rPr lang="it-IT" sz="1600" b="1" dirty="0" smtClean="0">
@@ -7271,7 +7280,7 @@
                 </a:solidFill>
                 <a:latin typeface="Avenir LT Std 35 Light" panose="020B0402020203020204" pitchFamily="34" charset="0"/>
               </a:rPr>
-              <a:t> </a:t>
+              <a:t> of </a:t>
             </a:r>
             <a:r>
               <a:rPr lang="it-IT" sz="1600" b="1" dirty="0" err="1" smtClean="0">
@@ -7280,7 +7289,7 @@
                 </a:solidFill>
                 <a:latin typeface="Avenir LT Std 35 Light" panose="020B0402020203020204" pitchFamily="34" charset="0"/>
               </a:rPr>
-              <a:t>implemented</a:t>
+              <a:t>implementation</a:t>
             </a:r>
             <a:endParaRPr lang="it-IT" sz="1600" b="1" dirty="0">
               <a:solidFill>
@@ -7381,13 +7390,96 @@
               <a:buNone/>
             </a:pPr>
             <a:r>
+              <a:rPr lang="en-US" dirty="0">
+                <a:solidFill>
+                  <a:srgbClr val="000000"/>
+                </a:solidFill>
+                <a:latin typeface="Avenir LT Std 35 Light" panose="020B0402020203020204" pitchFamily="34" charset="0"/>
+              </a:rPr>
+              <a:t>Our software has the goal to help the company with the hiring process.</a:t>
+            </a:r>
+          </a:p>
+          <a:p>
+            <a:pPr marL="0" indent="0" algn="just">
+              <a:buNone/>
+            </a:pPr>
+            <a:r>
+              <a:rPr lang="it-IT" dirty="0" err="1" smtClean="0">
+                <a:solidFill>
+                  <a:srgbClr val="000000"/>
+                </a:solidFill>
+                <a:latin typeface="Avenir LT Std 35 Light" panose="020B0402020203020204" pitchFamily="34" charset="0"/>
+              </a:rPr>
+              <a:t>Coming</a:t>
+            </a:r>
+            <a:r>
+              <a:rPr lang="it-IT" dirty="0" smtClean="0">
+                <a:solidFill>
+                  <a:srgbClr val="000000"/>
+                </a:solidFill>
+                <a:latin typeface="Avenir LT Std 35 Light" panose="020B0402020203020204" pitchFamily="34" charset="0"/>
+              </a:rPr>
+              <a:t> </a:t>
+            </a:r>
+            <a:r>
+              <a:rPr lang="it-IT" dirty="0" err="1" smtClean="0">
+                <a:solidFill>
+                  <a:srgbClr val="000000"/>
+                </a:solidFill>
+                <a:latin typeface="Avenir LT Std 35 Light" panose="020B0402020203020204" pitchFamily="34" charset="0"/>
+              </a:rPr>
+              <a:t>features</a:t>
+            </a:r>
+            <a:r>
+              <a:rPr lang="it-IT" dirty="0" smtClean="0">
+                <a:solidFill>
+                  <a:srgbClr val="000000"/>
+                </a:solidFill>
+                <a:latin typeface="Avenir LT Std 35 Light" panose="020B0402020203020204" pitchFamily="34" charset="0"/>
+              </a:rPr>
+              <a:t>:</a:t>
+            </a:r>
+            <a:endParaRPr lang="it-IT" dirty="0">
+              <a:solidFill>
+                <a:srgbClr val="000000"/>
+              </a:solidFill>
+              <a:latin typeface="Avenir LT Std 35 Light" panose="020B0402020203020204" pitchFamily="34" charset="0"/>
+            </a:endParaRPr>
+          </a:p>
+          <a:p>
+            <a:pPr lvl="1" algn="just"/>
+            <a:r>
               <a:rPr lang="it-IT" dirty="0">
                 <a:solidFill>
                   <a:srgbClr val="000000"/>
                 </a:solidFill>
                 <a:latin typeface="Avenir LT Std 35 Light" panose="020B0402020203020204" pitchFamily="34" charset="0"/>
               </a:rPr>
-              <a:t>Therefore our software has the goal of simplify the management of candidates for the company.</a:t>
+              <a:t>Add, edit and remove a candidate;</a:t>
+            </a:r>
+          </a:p>
+          <a:p>
+            <a:pPr lvl="1" algn="just"/>
+            <a:r>
+              <a:rPr lang="it-IT" dirty="0">
+                <a:solidFill>
+                  <a:srgbClr val="000000"/>
+                </a:solidFill>
+                <a:latin typeface="Avenir LT Std 35 Light" panose="020B0402020203020204" pitchFamily="34" charset="0"/>
+              </a:rPr>
+              <a:t>Log-in system;</a:t>
+            </a:r>
+          </a:p>
+          <a:p>
+            <a:pPr lvl="1" algn="just"/>
+            <a:r>
+              <a:rPr lang="it-IT" dirty="0">
+                <a:solidFill>
+                  <a:srgbClr val="000000"/>
+                </a:solidFill>
+                <a:latin typeface="Avenir LT Std 35 Light" panose="020B0402020203020204" pitchFamily="34" charset="0"/>
+              </a:rPr>
+              <a:t>New filters.</a:t>
             </a:r>
           </a:p>
           <a:p>
@@ -7401,11 +7493,17 @@
                 </a:solidFill>
                 <a:latin typeface="Avenir LT Std 35 Light" panose="020B0402020203020204" pitchFamily="34" charset="0"/>
               </a:rPr>
-              <a:t>Next implementations:</a:t>
-            </a:r>
-          </a:p>
-          <a:p>
-            <a:pPr lvl="1" algn="just"/>
+              <a:t>The app might be updated in the future to allow to manage </a:t>
+            </a:r>
+            <a:r>
+              <a:rPr lang="it-IT" dirty="0" err="1">
+                <a:solidFill>
+                  <a:srgbClr val="000000"/>
+                </a:solidFill>
+                <a:latin typeface="Avenir LT Std 35 Light" panose="020B0402020203020204" pitchFamily="34" charset="0"/>
+              </a:rPr>
+              <a:t>all</a:t>
+            </a:r>
             <a:r>
               <a:rPr lang="it-IT" dirty="0">
                 <a:solidFill>
@@ -7413,46 +7511,50 @@
                 </a:solidFill>
                 <a:latin typeface="Avenir LT Std 35 Light" panose="020B0402020203020204" pitchFamily="34" charset="0"/>
               </a:rPr>
-              <a:t>Add, edit and remove a candidate;</a:t>
-            </a:r>
-          </a:p>
-          <a:p>
-            <a:pPr lvl="1" algn="just"/>
-            <a:r>
-              <a:rPr lang="it-IT" dirty="0">
+              <a:t> </a:t>
+            </a:r>
+            <a:r>
+              <a:rPr lang="it-IT" dirty="0" smtClean="0">
                 <a:solidFill>
                   <a:srgbClr val="000000"/>
                 </a:solidFill>
                 <a:latin typeface="Avenir LT Std 35 Light" panose="020B0402020203020204" pitchFamily="34" charset="0"/>
               </a:rPr>
-              <a:t>Log-in system;</a:t>
-            </a:r>
-          </a:p>
-          <a:p>
-            <a:pPr lvl="1" algn="just"/>
-            <a:r>
-              <a:rPr lang="it-IT" dirty="0">
+              <a:t>the </a:t>
+            </a:r>
+            <a:r>
+              <a:rPr lang="en-US" dirty="0" smtClean="0">
                 <a:solidFill>
                   <a:srgbClr val="000000"/>
                 </a:solidFill>
                 <a:latin typeface="Avenir LT Std 35 Light" panose="020B0402020203020204" pitchFamily="34" charset="0"/>
               </a:rPr>
-              <a:t>New filters.</a:t>
-            </a:r>
-          </a:p>
-          <a:p>
-            <a:pPr marL="0" indent="0" algn="just">
-              <a:buNone/>
-            </a:pPr>
-            <a:r>
-              <a:rPr lang="it-IT" dirty="0">
+              <a:t>employees </a:t>
+            </a:r>
+            <a:r>
+              <a:rPr lang="en-US" dirty="0">
                 <a:solidFill>
                   <a:srgbClr val="000000"/>
                 </a:solidFill>
                 <a:latin typeface="Avenir LT Std 35 Light" panose="020B0402020203020204" pitchFamily="34" charset="0"/>
               </a:rPr>
-              <a:t>The app might be updated in the future to allow to manage all the human resources of the company.</a:t>
-            </a:r>
+              <a:t>becoming a more general tool for the </a:t>
+            </a:r>
+            <a:r>
+              <a:rPr lang="en-US" dirty="0" smtClean="0">
+                <a:solidFill>
+                  <a:srgbClr val="000000"/>
+                </a:solidFill>
+                <a:latin typeface="Avenir LT Std 35 Light" panose="020B0402020203020204" pitchFamily="34" charset="0"/>
+              </a:rPr>
+              <a:t>company.</a:t>
+            </a:r>
+            <a:endParaRPr lang="it-IT" dirty="0">
+              <a:solidFill>
+                <a:srgbClr val="000000"/>
+              </a:solidFill>
+              <a:latin typeface="Avenir LT Std 35 Light" panose="020B0402020203020204" pitchFamily="34" charset="0"/>
+            </a:endParaRPr>
           </a:p>
         </p:txBody>
       </p:sp>
@@ -7576,14 +7678,14 @@
       </p:sp>
       <p:pic>
         <p:nvPicPr>
-          <p:cNvPr id="11" name="Immagine 10"/>
+          <p:cNvPr id="4" name="Immagine 3"/>
           <p:cNvPicPr>
             <a:picLocks noChangeAspect="1"/>
           </p:cNvPicPr>
           <p:nvPr/>
         </p:nvPicPr>
         <p:blipFill>
-          <a:blip r:embed="rId2" cstate="print">
+          <a:blip r:embed="rId2">
             <a:duotone>
               <a:schemeClr val="accent1">
                 <a:shade val="45000"/>
@@ -7595,53 +7697,6 @@
               <a:ext uri="{BEBA8EAE-BF5A-486C-A8C5-ECC9F3942E4B}">
                 <a14:imgProps xmlns:a14="http://schemas.microsoft.com/office/drawing/2010/main">
                   <a14:imgLayer r:embed="rId3">
-                    <a14:imgEffect>
-                      <a14:brightnessContrast bright="-98000" contrast="-1000"/>
-                    </a14:imgEffect>
-                  </a14:imgLayer>
-                </a14:imgProps>
-              </a:ext>
-              <a:ext uri="{28A0092B-C50C-407E-A947-70E740481C1C}">
-                <a14:useLocalDpi xmlns:a14="http://schemas.microsoft.com/office/drawing/2010/main" val="0"/>
-              </a:ext>
-            </a:extLst>
-          </a:blip>
-          <a:stretch>
-            <a:fillRect/>
-          </a:stretch>
-        </p:blipFill>
-        <p:spPr>
-          <a:xfrm>
-            <a:off x="-1584" y="6357256"/>
-            <a:ext cx="500743" cy="500743"/>
-          </a:xfrm>
-          <a:prstGeom prst="rect">
-            <a:avLst/>
-          </a:prstGeom>
-          <a:noFill/>
-        </p:spPr>
-      </p:pic>
-      <p:pic>
-        <p:nvPicPr>
-          <p:cNvPr id="4" name="Immagine 3"/>
-          <p:cNvPicPr>
-            <a:picLocks noChangeAspect="1"/>
-          </p:cNvPicPr>
-          <p:nvPr/>
-        </p:nvPicPr>
-        <p:blipFill>
-          <a:blip r:embed="rId4">
-            <a:duotone>
-              <a:schemeClr val="accent1">
-                <a:shade val="45000"/>
-                <a:satMod val="135000"/>
-              </a:schemeClr>
-              <a:prstClr val="white"/>
-            </a:duotone>
-            <a:extLst>
-              <a:ext uri="{BEBA8EAE-BF5A-486C-A8C5-ECC9F3942E4B}">
-                <a14:imgProps xmlns:a14="http://schemas.microsoft.com/office/drawing/2010/main">
-                  <a14:imgLayer r:embed="rId5">
                     <a14:imgEffect>
                       <a14:brightnessContrast bright="-100000" contrast="100000"/>
                     </a14:imgEffect>
@@ -7821,8 +7876,23 @@
                 </a:solidFill>
                 <a:latin typeface="Avenir LT Std 35 Light" panose="020B0402020203020204" pitchFamily="34" charset="0"/>
               </a:rPr>
-              <a:t>Suit is our HR management web app that aims to simplify the process of finding and hiring potential candidates.</a:t>
-            </a:r>
+              <a:t>Suit is our HR management web app that aims to simplify the process of finding and </a:t>
+            </a:r>
+            <a:r>
+              <a:rPr lang="en-US" dirty="0" smtClean="0">
+                <a:solidFill>
+                  <a:srgbClr val="000000"/>
+                </a:solidFill>
+                <a:latin typeface="Avenir LT Std 35 Light" panose="020B0402020203020204" pitchFamily="34" charset="0"/>
+              </a:rPr>
+              <a:t>hiring employees.</a:t>
+            </a:r>
+            <a:endParaRPr lang="en-US" dirty="0">
+              <a:solidFill>
+                <a:srgbClr val="000000"/>
+              </a:solidFill>
+              <a:latin typeface="Avenir LT Std 35 Light" panose="020B0402020203020204" pitchFamily="34" charset="0"/>
+            </a:endParaRPr>
           </a:p>
         </p:txBody>
       </p:sp>
@@ -8896,12 +8966,6 @@
               </a:rPr>
               <a:t> bar</a:t>
             </a:r>
-            <a:endParaRPr lang="it-IT" sz="3400" b="1" dirty="0">
-              <a:solidFill>
-                <a:srgbClr val="000000"/>
-              </a:solidFill>
-              <a:latin typeface="Avenir LT Std 35 Light" panose="020B0402020203020204" pitchFamily="34" charset="0"/>
-            </a:endParaRPr>
           </a:p>
         </p:txBody>
       </p:sp>
@@ -8957,12 +9021,6 @@
               </a:rPr>
               <a:t>.</a:t>
             </a:r>
-            <a:endParaRPr lang="en-US" dirty="0">
-              <a:solidFill>
-                <a:srgbClr val="000000"/>
-              </a:solidFill>
-              <a:latin typeface="Avenir LT Std 35 Light" panose="020B0402020203020204" pitchFamily="34" charset="0"/>
-            </a:endParaRPr>
           </a:p>
         </p:txBody>
       </p:sp>
@@ -9272,7 +9330,16 @@
                 </a:solidFill>
                 <a:latin typeface="Avenir LT Std 35 Light" panose="020B0402020203020204" pitchFamily="34" charset="0"/>
               </a:rPr>
-              <a:t> and combine </a:t>
+              <a:t> and </a:t>
+            </a:r>
+            <a:r>
+              <a:rPr lang="it-IT" dirty="0" smtClean="0">
+                <a:solidFill>
+                  <a:srgbClr val="000000"/>
+                </a:solidFill>
+                <a:latin typeface="Avenir LT Std 35 Light" panose="020B0402020203020204" pitchFamily="34" charset="0"/>
+              </a:rPr>
+              <a:t>combine </a:t>
             </a:r>
             <a:r>
               <a:rPr lang="it-IT" dirty="0" err="1" smtClean="0">
@@ -9290,57 +9357,57 @@
                 </a:solidFill>
                 <a:latin typeface="Avenir LT Std 35 Light" panose="020B0402020203020204" pitchFamily="34" charset="0"/>
               </a:rPr>
-              <a:t> in </a:t>
-            </a:r>
-            <a:r>
-              <a:rPr lang="it-IT" dirty="0" err="1" smtClean="0">
-                <a:solidFill>
-                  <a:srgbClr val="000000"/>
-                </a:solidFill>
-                <a:latin typeface="Avenir LT Std 35 Light" panose="020B0402020203020204" pitchFamily="34" charset="0"/>
-              </a:rPr>
-              <a:t>order</a:t>
+              <a:t> </a:t>
+            </a:r>
+            <a:r>
+              <a:rPr lang="it-IT" spc="-1" dirty="0" smtClean="0">
+                <a:solidFill>
+                  <a:schemeClr val="tx1"/>
+                </a:solidFill>
+                <a:latin typeface="Avenir LT Std 35 Light"/>
+              </a:rPr>
+              <a:t>for </a:t>
+            </a:r>
+            <a:r>
+              <a:rPr lang="it-IT" spc="-1" dirty="0">
+                <a:solidFill>
+                  <a:schemeClr val="tx1"/>
+                </a:solidFill>
+                <a:latin typeface="Avenir LT Std 35 Light"/>
+              </a:rPr>
+              <a:t>a more </a:t>
+            </a:r>
+            <a:r>
+              <a:rPr lang="it-IT" spc="-1" dirty="0" err="1">
+                <a:solidFill>
+                  <a:schemeClr val="tx1"/>
+                </a:solidFill>
+                <a:latin typeface="Avenir LT Std 35 Light"/>
+              </a:rPr>
+              <a:t>detailed</a:t>
+            </a:r>
+            <a:r>
+              <a:rPr lang="it-IT" spc="-1" dirty="0">
+                <a:solidFill>
+                  <a:schemeClr val="tx1"/>
+                </a:solidFill>
+                <a:latin typeface="Avenir LT Std 35 Light"/>
+              </a:rPr>
+              <a:t> </a:t>
+            </a:r>
+            <a:r>
+              <a:rPr lang="it-IT" spc="-1" dirty="0" err="1">
+                <a:solidFill>
+                  <a:schemeClr val="tx1"/>
+                </a:solidFill>
+                <a:latin typeface="Avenir LT Std 35 Light"/>
+              </a:rPr>
+              <a:t>search</a:t>
             </a:r>
             <a:r>
               <a:rPr lang="it-IT" dirty="0" smtClean="0">
                 <a:solidFill>
-                  <a:srgbClr val="000000"/>
-                </a:solidFill>
-                <a:latin typeface="Avenir LT Std 35 Light" panose="020B0402020203020204" pitchFamily="34" charset="0"/>
-              </a:rPr>
-              <a:t> to show </a:t>
-            </a:r>
-            <a:r>
-              <a:rPr lang="it-IT" dirty="0" err="1">
-                <a:solidFill>
-                  <a:srgbClr val="000000"/>
-                </a:solidFill>
-                <a:latin typeface="Avenir LT Std 35 Light" panose="020B0402020203020204" pitchFamily="34" charset="0"/>
-              </a:rPr>
-              <a:t>specific</a:t>
-            </a:r>
-            <a:r>
-              <a:rPr lang="it-IT" dirty="0">
-                <a:solidFill>
-                  <a:srgbClr val="000000"/>
-                </a:solidFill>
-                <a:latin typeface="Avenir LT Std 35 Light" panose="020B0402020203020204" pitchFamily="34" charset="0"/>
-              </a:rPr>
-              <a:t> </a:t>
-            </a:r>
-            <a:r>
-              <a:rPr lang="it-IT" dirty="0" err="1">
-                <a:solidFill>
-                  <a:srgbClr val="000000"/>
-                </a:solidFill>
-                <a:latin typeface="Avenir LT Std 35 Light" panose="020B0402020203020204" pitchFamily="34" charset="0"/>
-              </a:rPr>
-              <a:t>candidates</a:t>
-            </a:r>
-            <a:r>
-              <a:rPr lang="it-IT" dirty="0">
-                <a:solidFill>
-                  <a:srgbClr val="000000"/>
+                  <a:schemeClr val="tx1"/>
                 </a:solidFill>
                 <a:latin typeface="Avenir LT Std 35 Light" panose="020B0402020203020204" pitchFamily="34" charset="0"/>
               </a:rPr>
@@ -9348,7 +9415,7 @@
             </a:r>
             <a:endParaRPr lang="it-IT" dirty="0">
               <a:solidFill>
-                <a:srgbClr val="000000"/>
+                <a:schemeClr val="tx1"/>
               </a:solidFill>
               <a:latin typeface="Avenir LT Std 35 Light" panose="020B0402020203020204" pitchFamily="34" charset="0"/>
             </a:endParaRPr>
@@ -9365,8 +9432,8 @@
         </p:nvSpPr>
         <p:spPr>
           <a:xfrm>
-            <a:off x="10466614" y="6486123"/>
-            <a:ext cx="1715914" cy="361406"/>
+            <a:off x="9679577" y="6486123"/>
+            <a:ext cx="2502951" cy="361406"/>
           </a:xfrm>
           <a:prstGeom prst="rect">
             <a:avLst/>
@@ -9546,13 +9613,22 @@
               <a:buNone/>
             </a:pPr>
             <a:r>
+              <a:rPr lang="it-IT" sz="1600" b="1" dirty="0" smtClean="0">
+                <a:solidFill>
+                  <a:srgbClr val="000000"/>
+                </a:solidFill>
+                <a:latin typeface="Avenir LT Std 35 Light" panose="020B0402020203020204" pitchFamily="34" charset="0"/>
+              </a:rPr>
+              <a:t>In </a:t>
+            </a:r>
+            <a:r>
               <a:rPr lang="it-IT" sz="1600" b="1" dirty="0" err="1" smtClean="0">
                 <a:solidFill>
                   <a:srgbClr val="000000"/>
                 </a:solidFill>
                 <a:latin typeface="Avenir LT Std 35 Light" panose="020B0402020203020204" pitchFamily="34" charset="0"/>
               </a:rPr>
-              <a:t>Being</a:t>
+              <a:t>phase</a:t>
             </a:r>
             <a:r>
               <a:rPr lang="it-IT" sz="1600" b="1" dirty="0" smtClean="0">
@@ -9561,7 +9637,7 @@
                 </a:solidFill>
                 <a:latin typeface="Avenir LT Std 35 Light" panose="020B0402020203020204" pitchFamily="34" charset="0"/>
               </a:rPr>
-              <a:t> </a:t>
+              <a:t> of </a:t>
             </a:r>
             <a:r>
               <a:rPr lang="it-IT" sz="1600" b="1" dirty="0" err="1" smtClean="0">
@@ -9570,7 +9646,7 @@
                 </a:solidFill>
                 <a:latin typeface="Avenir LT Std 35 Light" panose="020B0402020203020204" pitchFamily="34" charset="0"/>
               </a:rPr>
-              <a:t>modified</a:t>
+              <a:t>modification</a:t>
             </a:r>
             <a:endParaRPr lang="it-IT" sz="1600" b="1" dirty="0">
               <a:solidFill>
@@ -9759,7 +9835,7 @@
         <p:spPr>
           <a:xfrm>
             <a:off x="1792151" y="1524089"/>
-            <a:ext cx="3110049" cy="439592"/>
+            <a:ext cx="3968569" cy="439592"/>
           </a:xfrm>
         </p:spPr>
         <p:txBody>
@@ -9781,7 +9857,16 @@
                 </a:solidFill>
                 <a:latin typeface="Avenir LT Std 35 Light" panose="020B0402020203020204" pitchFamily="34" charset="0"/>
               </a:rPr>
-              <a:t>Delete</a:t>
+              <a:t>Rejected</a:t>
+            </a:r>
+            <a:r>
+              <a:rPr lang="it-IT" dirty="0" smtClean="0">
+                <a:solidFill>
+                  <a:srgbClr val="000000"/>
+                </a:solidFill>
+                <a:latin typeface="Avenir LT Std 35 Light" panose="020B0402020203020204" pitchFamily="34" charset="0"/>
+              </a:rPr>
+              <a:t> or </a:t>
             </a:r>
             <a:r>
               <a:rPr lang="it-IT" dirty="0" err="1" smtClean="0">
@@ -9790,7 +9875,7 @@
                 </a:solidFill>
                 <a:latin typeface="Avenir LT Std 35 Light" panose="020B0402020203020204" pitchFamily="34" charset="0"/>
               </a:rPr>
-              <a:t>d</a:t>
+              <a:t>hired</a:t>
             </a:r>
             <a:r>
               <a:rPr lang="it-IT" dirty="0" smtClean="0">
@@ -10102,13 +10187,22 @@
               <a:buNone/>
             </a:pPr>
             <a:r>
+              <a:rPr lang="it-IT" dirty="0" err="1" smtClean="0">
+                <a:solidFill>
+                  <a:srgbClr val="000000"/>
+                </a:solidFill>
+                <a:latin typeface="Avenir LT Std 35 Light" panose="020B0402020203020204" pitchFamily="34" charset="0"/>
+              </a:rPr>
+              <a:t>Not</a:t>
+            </a:r>
+            <a:r>
               <a:rPr lang="it-IT" dirty="0" smtClean="0">
                 <a:solidFill>
                   <a:srgbClr val="000000"/>
                 </a:solidFill>
                 <a:latin typeface="Avenir LT Std 35 Light" panose="020B0402020203020204" pitchFamily="34" charset="0"/>
               </a:rPr>
-              <a:t>Non-</a:t>
+              <a:t> </a:t>
             </a:r>
             <a:r>
               <a:rPr lang="it-IT" dirty="0" err="1" smtClean="0">
@@ -10126,7 +10220,25 @@
                 </a:solidFill>
                 <a:latin typeface="Avenir LT Std 35 Light" panose="020B0402020203020204" pitchFamily="34" charset="0"/>
               </a:rPr>
-              <a:t> and non-</a:t>
+              <a:t> and </a:t>
+            </a:r>
+            <a:r>
+              <a:rPr lang="it-IT" dirty="0" err="1" smtClean="0">
+                <a:solidFill>
+                  <a:srgbClr val="000000"/>
+                </a:solidFill>
+                <a:latin typeface="Avenir LT Std 35 Light" panose="020B0402020203020204" pitchFamily="34" charset="0"/>
+              </a:rPr>
+              <a:t>not</a:t>
+            </a:r>
+            <a:r>
+              <a:rPr lang="it-IT" dirty="0" smtClean="0">
+                <a:solidFill>
+                  <a:srgbClr val="000000"/>
+                </a:solidFill>
+                <a:latin typeface="Avenir LT Std 35 Light" panose="020B0402020203020204" pitchFamily="34" charset="0"/>
+              </a:rPr>
+              <a:t> </a:t>
             </a:r>
             <a:r>
               <a:rPr lang="it-IT" dirty="0" err="1" smtClean="0">
@@ -10430,7 +10542,7 @@
                 </a:solidFill>
                 <a:latin typeface="Avenir LT Std 35 Light" panose="020B0402020203020204" pitchFamily="34" charset="0"/>
               </a:rPr>
-              <a:t>Hired</a:t>
+              <a:t>Employed</a:t>
             </a:r>
             <a:r>
               <a:rPr lang="it-IT" dirty="0" smtClean="0">
@@ -11196,11 +11308,32 @@
           <a:lstStyle/>
           <a:p>
             <a:r>
-              <a:rPr lang="it-IT" dirty="0">
+              <a:rPr lang="it-IT" dirty="0" err="1" smtClean="0">
                 <a:latin typeface="Avenir LT Std 35 Light" panose="020B0402020203020204" pitchFamily="34" charset="0"/>
               </a:rPr>
-              <a:t>In the future there will be also:</a:t>
-            </a:r>
+              <a:t>Coming</a:t>
+            </a:r>
+            <a:r>
+              <a:rPr lang="it-IT" dirty="0" smtClean="0">
+                <a:latin typeface="Avenir LT Std 35 Light" panose="020B0402020203020204" pitchFamily="34" charset="0"/>
+              </a:rPr>
+              <a:t> </a:t>
+            </a:r>
+            <a:r>
+              <a:rPr lang="it-IT" dirty="0" err="1" smtClean="0">
+                <a:latin typeface="Avenir LT Std 35 Light" panose="020B0402020203020204" pitchFamily="34" charset="0"/>
+              </a:rPr>
+              <a:t>soon</a:t>
+            </a:r>
+            <a:r>
+              <a:rPr lang="it-IT" dirty="0" smtClean="0">
+                <a:latin typeface="Avenir LT Std 35 Light" panose="020B0402020203020204" pitchFamily="34" charset="0"/>
+              </a:rPr>
+              <a:t>:</a:t>
+            </a:r>
+            <a:endParaRPr lang="it-IT" dirty="0">
+              <a:latin typeface="Avenir LT Std 35 Light" panose="020B0402020203020204" pitchFamily="34" charset="0"/>
+            </a:endParaRPr>
           </a:p>
           <a:p>
             <a:pPr marL="285750" indent="-285750">
@@ -11405,8 +11538,8 @@
         </p:nvSpPr>
         <p:spPr>
           <a:xfrm>
-            <a:off x="9984921" y="6486123"/>
-            <a:ext cx="2197606" cy="361406"/>
+            <a:off x="9313817" y="6486123"/>
+            <a:ext cx="2868710" cy="361406"/>
           </a:xfrm>
           <a:prstGeom prst="rect">
             <a:avLst/>
@@ -11586,13 +11719,22 @@
               <a:buNone/>
             </a:pPr>
             <a:r>
+              <a:rPr lang="it-IT" sz="1600" b="1" dirty="0" smtClean="0">
+                <a:solidFill>
+                  <a:srgbClr val="000000"/>
+                </a:solidFill>
+                <a:latin typeface="Avenir LT Std 35 Light" panose="020B0402020203020204" pitchFamily="34" charset="0"/>
+              </a:rPr>
+              <a:t>In </a:t>
+            </a:r>
+            <a:r>
               <a:rPr lang="it-IT" sz="1600" b="1" dirty="0" err="1" smtClean="0">
                 <a:solidFill>
                   <a:srgbClr val="000000"/>
                 </a:solidFill>
                 <a:latin typeface="Avenir LT Std 35 Light" panose="020B0402020203020204" pitchFamily="34" charset="0"/>
               </a:rPr>
-              <a:t>Being</a:t>
+              <a:t>phase</a:t>
             </a:r>
             <a:r>
               <a:rPr lang="it-IT" sz="1600" b="1" dirty="0" smtClean="0">
@@ -11601,7 +11743,7 @@
                 </a:solidFill>
                 <a:latin typeface="Avenir LT Std 35 Light" panose="020B0402020203020204" pitchFamily="34" charset="0"/>
               </a:rPr>
-              <a:t> </a:t>
+              <a:t> of </a:t>
             </a:r>
             <a:r>
               <a:rPr lang="it-IT" sz="1600" b="1" dirty="0" err="1" smtClean="0">
@@ -11610,7 +11752,7 @@
                 </a:solidFill>
                 <a:latin typeface="Avenir LT Std 35 Light" panose="020B0402020203020204" pitchFamily="34" charset="0"/>
               </a:rPr>
-              <a:t>implemented</a:t>
+              <a:t>implementation</a:t>
             </a:r>
             <a:endParaRPr lang="it-IT" sz="1600" b="1" dirty="0">
               <a:solidFill>

--- a/resources/EN - Suit Database.pptx
+++ b/resources/EN - Suit Database.pptx
@@ -6830,13 +6830,43 @@
         </p:blipFill>
         <p:spPr>
           <a:xfrm>
-            <a:off x="4721469" y="3262735"/>
-            <a:ext cx="2636520" cy="2636520"/>
+            <a:off x="4906149" y="3347143"/>
+            <a:ext cx="2278423" cy="2278423"/>
           </a:xfrm>
           <a:prstGeom prst="rect">
             <a:avLst/>
           </a:prstGeom>
           <a:noFill/>
+        </p:spPr>
+      </p:pic>
+      <p:pic>
+        <p:nvPicPr>
+          <p:cNvPr id="3" name="Immagine 2"/>
+          <p:cNvPicPr>
+            <a:picLocks noChangeAspect="1"/>
+          </p:cNvPicPr>
+          <p:nvPr/>
+        </p:nvPicPr>
+        <p:blipFill>
+          <a:blip r:embed="rId4">
+            <a:extLst>
+              <a:ext uri="{28A0092B-C50C-407E-A947-70E740481C1C}">
+                <a14:useLocalDpi xmlns:a14="http://schemas.microsoft.com/office/drawing/2010/main" val="0"/>
+              </a:ext>
+            </a:extLst>
+          </a:blip>
+          <a:stretch>
+            <a:fillRect/>
+          </a:stretch>
+        </p:blipFill>
+        <p:spPr>
+          <a:xfrm>
+            <a:off x="43336" y="5290457"/>
+            <a:ext cx="1424393" cy="1773104"/>
+          </a:xfrm>
+          <a:prstGeom prst="rect">
+            <a:avLst/>
+          </a:prstGeom>
         </p:spPr>
       </p:pic>
     </p:spTree>
@@ -7376,8 +7406,8 @@
         </p:nvSpPr>
         <p:spPr>
           <a:xfrm>
-            <a:off x="1024576" y="1407650"/>
-            <a:ext cx="10515600" cy="4379195"/>
+            <a:off x="1024576" y="1407651"/>
+            <a:ext cx="10515600" cy="5176030"/>
           </a:xfrm>
         </p:spPr>
         <p:txBody>
@@ -7547,11 +7577,97 @@
                 </a:solidFill>
                 <a:latin typeface="Avenir LT Std 35 Light" panose="020B0402020203020204" pitchFamily="34" charset="0"/>
               </a:rPr>
-              <a:t>company.</a:t>
+              <a:t>company</a:t>
+            </a:r>
+            <a:r>
+              <a:rPr lang="en-US" dirty="0" smtClean="0">
+                <a:solidFill>
+                  <a:srgbClr val="000000"/>
+                </a:solidFill>
+                <a:latin typeface="Avenir LT Std 35 Light" panose="020B0402020203020204" pitchFamily="34" charset="0"/>
+              </a:rPr>
+              <a:t>.</a:t>
+            </a:r>
+          </a:p>
+          <a:p>
+            <a:pPr marL="0" indent="0" algn="just">
+              <a:buNone/>
+            </a:pPr>
+            <a:endParaRPr lang="en-US" dirty="0">
+              <a:solidFill>
+                <a:srgbClr val="000000"/>
+              </a:solidFill>
+              <a:latin typeface="Avenir LT Std 35 Light" panose="020B0402020203020204" pitchFamily="34" charset="0"/>
+            </a:endParaRPr>
+          </a:p>
+          <a:p>
+            <a:pPr marL="0" indent="0" algn="just">
+              <a:buNone/>
+            </a:pPr>
+            <a:endParaRPr lang="en-US" dirty="0" smtClean="0">
+              <a:solidFill>
+                <a:srgbClr val="000000"/>
+              </a:solidFill>
+              <a:latin typeface="Avenir LT Std 35 Light" panose="020B0402020203020204" pitchFamily="34" charset="0"/>
+            </a:endParaRPr>
+          </a:p>
+          <a:p>
+            <a:pPr marL="0" indent="0" algn="just">
+              <a:buNone/>
+            </a:pPr>
+            <a:endParaRPr lang="en-US" dirty="0">
+              <a:solidFill>
+                <a:srgbClr val="000000"/>
+              </a:solidFill>
+              <a:latin typeface="Avenir LT Std 35 Light" panose="020B0402020203020204" pitchFamily="34" charset="0"/>
+            </a:endParaRPr>
+          </a:p>
+          <a:p>
+            <a:pPr marL="0" indent="0" algn="just">
+              <a:buNone/>
+            </a:pPr>
+            <a:endParaRPr lang="en-US" dirty="0">
+              <a:solidFill>
+                <a:srgbClr val="000000"/>
+              </a:solidFill>
+              <a:latin typeface="Avenir LT Std 35 Light" panose="020B0402020203020204" pitchFamily="34" charset="0"/>
+            </a:endParaRPr>
+          </a:p>
+          <a:p>
+            <a:pPr marL="0" indent="0">
+              <a:buNone/>
+            </a:pPr>
+            <a:r>
+              <a:rPr lang="en-US" dirty="0" smtClean="0">
+                <a:solidFill>
+                  <a:srgbClr val="000000"/>
+                </a:solidFill>
+                <a:latin typeface="Avenir LT Std 35 Light" panose="020B0402020203020204" pitchFamily="34" charset="0"/>
+              </a:rPr>
+              <a:t>GitHub </a:t>
+            </a:r>
+            <a:r>
+              <a:rPr lang="en-US" dirty="0">
+                <a:solidFill>
+                  <a:srgbClr val="000000"/>
+                </a:solidFill>
+                <a:latin typeface="Avenir LT Std 35 Light" panose="020B0402020203020204" pitchFamily="34" charset="0"/>
+              </a:rPr>
+              <a:t>project link: </a:t>
+            </a:r>
+            <a:r>
+              <a:rPr lang="en-US" dirty="0">
+                <a:solidFill>
+                  <a:srgbClr val="FF0000"/>
+                </a:solidFill>
+                <a:latin typeface="Avenir LT Std 35 Light" panose="020B0402020203020204" pitchFamily="34" charset="0"/>
+                <a:hlinkClick r:id="rId2"/>
+              </a:rPr>
+              <a:t>https://github.com/lt-scuolalavoro/suit</a:t>
             </a:r>
             <a:endParaRPr lang="it-IT" dirty="0">
               <a:solidFill>
-                <a:srgbClr val="000000"/>
+                <a:srgbClr val="FF0000"/>
               </a:solidFill>
               <a:latin typeface="Avenir LT Std 35 Light" panose="020B0402020203020204" pitchFamily="34" charset="0"/>
             </a:endParaRPr>
@@ -7567,7 +7683,7 @@
           <p:nvPr/>
         </p:nvPicPr>
         <p:blipFill>
-          <a:blip r:embed="rId2" cstate="print">
+          <a:blip r:embed="rId3" cstate="print">
             <a:duotone>
               <a:schemeClr val="accent1">
                 <a:shade val="45000"/>
@@ -7578,7 +7694,7 @@
             <a:extLst>
               <a:ext uri="{BEBA8EAE-BF5A-486C-A8C5-ECC9F3942E4B}">
                 <a14:imgProps xmlns:a14="http://schemas.microsoft.com/office/drawing/2010/main">
-                  <a14:imgLayer r:embed="rId3">
+                  <a14:imgLayer r:embed="rId4">
                     <a14:imgEffect>
                       <a14:brightnessContrast bright="-98000" contrast="-1000"/>
                     </a14:imgEffect>
@@ -12131,7 +12247,7 @@
 <file path=ppt/theme/theme2.xml><?xml version="1.0" encoding="utf-8"?>
 <a:theme xmlns:a="http://schemas.openxmlformats.org/drawingml/2006/main" name="Crop">
   <a:themeElements>
-    <a:clrScheme name="Personalizzato 4">
+    <a:clrScheme name="Personalizzato 5">
       <a:dk1>
         <a:sysClr val="windowText" lastClr="000000"/>
       </a:dk1>
@@ -12163,7 +12279,7 @@
         <a:srgbClr val="E28394"/>
       </a:accent6>
       <a:hlink>
-        <a:srgbClr val="77A2BB"/>
+        <a:srgbClr val="002060"/>
       </a:hlink>
       <a:folHlink>
         <a:srgbClr val="957A99"/>

--- a/resources/EN - Suit Database.pptx
+++ b/resources/EN - Suit Database.pptx
@@ -6830,7 +6830,7 @@
         </p:blipFill>
         <p:spPr>
           <a:xfrm>
-            <a:off x="4906149" y="3347143"/>
+            <a:off x="2842218" y="3339872"/>
             <a:ext cx="2278423" cy="2278423"/>
           </a:xfrm>
           <a:prstGeom prst="rect">
@@ -6863,6 +6863,36 @@
           <a:xfrm>
             <a:off x="43336" y="5290457"/>
             <a:ext cx="1424393" cy="1773104"/>
+          </a:xfrm>
+          <a:prstGeom prst="rect">
+            <a:avLst/>
+          </a:prstGeom>
+        </p:spPr>
+      </p:pic>
+      <p:pic>
+        <p:nvPicPr>
+          <p:cNvPr id="4" name="Immagine 3"/>
+          <p:cNvPicPr>
+            <a:picLocks noChangeAspect="1"/>
+          </p:cNvPicPr>
+          <p:nvPr/>
+        </p:nvPicPr>
+        <p:blipFill>
+          <a:blip r:embed="rId5" cstate="print">
+            <a:extLst>
+              <a:ext uri="{28A0092B-C50C-407E-A947-70E740481C1C}">
+                <a14:useLocalDpi xmlns:a14="http://schemas.microsoft.com/office/drawing/2010/main" val="0"/>
+              </a:ext>
+            </a:extLst>
+          </a:blip>
+          <a:stretch>
+            <a:fillRect/>
+          </a:stretch>
+        </p:blipFill>
+        <p:spPr>
+          <a:xfrm>
+            <a:off x="6003223" y="3823016"/>
+            <a:ext cx="3725924" cy="1319406"/>
           </a:xfrm>
           <a:prstGeom prst="rect">
             <a:avLst/>
@@ -7577,16 +7607,7 @@
                 </a:solidFill>
                 <a:latin typeface="Avenir LT Std 35 Light" panose="020B0402020203020204" pitchFamily="34" charset="0"/>
               </a:rPr>
-              <a:t>company</a:t>
-            </a:r>
-            <a:r>
-              <a:rPr lang="en-US" dirty="0" smtClean="0">
-                <a:solidFill>
-                  <a:srgbClr val="000000"/>
-                </a:solidFill>
-                <a:latin typeface="Avenir LT Std 35 Light" panose="020B0402020203020204" pitchFamily="34" charset="0"/>
-              </a:rPr>
-              <a:t>.</a:t>
+              <a:t>company.</a:t>
             </a:r>
           </a:p>
           <a:p>

--- a/resources/EN - Suit Database.pptx
+++ b/resources/EN - Suit Database.pptx
@@ -678,16 +678,8 @@
 </file>
 
 <file path=ppt/slideLayouts/slideLayout12.xml><?xml version="1.0" encoding="utf-8"?>
-<p:sldLayout xmlns:a="http://schemas.openxmlformats.org/drawingml/2006/main" xmlns:r="http://schemas.openxmlformats.org/officeDocument/2006/relationships" xmlns:p="http://schemas.openxmlformats.org/presentationml/2006/main" showMasterSp="0" type="title" preserve="1">
+<p:sldLayout xmlns:a="http://schemas.openxmlformats.org/drawingml/2006/main" xmlns:r="http://schemas.openxmlformats.org/officeDocument/2006/relationships" xmlns:p="http://schemas.openxmlformats.org/presentationml/2006/main" type="title" preserve="1">
   <p:cSld name="Diapositiva titolo">
-    <p:bg>
-      <p:bgPr>
-        <a:solidFill>
-          <a:schemeClr val="bg2"/>
-        </a:solidFill>
-        <a:effectLst/>
-      </p:bgPr>
-    </p:bg>
     <p:spTree>
       <p:nvGrpSpPr>
         <p:cNvPr id="1" name=""/>
@@ -1233,13 +1225,8 @@
 </file>
 
 <file path=ppt/slideLayouts/slideLayout14.xml><?xml version="1.0" encoding="utf-8"?>
-<p:sldLayout xmlns:a="http://schemas.openxmlformats.org/drawingml/2006/main" xmlns:r="http://schemas.openxmlformats.org/officeDocument/2006/relationships" xmlns:p="http://schemas.openxmlformats.org/presentationml/2006/main" showMasterSp="0" type="secHead" preserve="1">
+<p:sldLayout xmlns:a="http://schemas.openxmlformats.org/drawingml/2006/main" xmlns:r="http://schemas.openxmlformats.org/officeDocument/2006/relationships" xmlns:p="http://schemas.openxmlformats.org/presentationml/2006/main" type="secHead" preserve="1">
   <p:cSld name="Intestazione sezione">
-    <p:bg>
-      <p:bgRef idx="1001">
-        <a:schemeClr val="bg2"/>
-      </p:bgRef>
-    </p:bg>
     <p:spTree>
       <p:nvGrpSpPr>
         <p:cNvPr id="1" name=""/>
@@ -2594,7 +2581,7 @@
 </file>
 
 <file path=ppt/slideLayouts/slideLayout19.xml><?xml version="1.0" encoding="utf-8"?>
-<p:sldLayout xmlns:a="http://schemas.openxmlformats.org/drawingml/2006/main" xmlns:r="http://schemas.openxmlformats.org/officeDocument/2006/relationships" xmlns:p="http://schemas.openxmlformats.org/presentationml/2006/main" showMasterSp="0" type="objTx" preserve="1">
+<p:sldLayout xmlns:a="http://schemas.openxmlformats.org/drawingml/2006/main" xmlns:r="http://schemas.openxmlformats.org/officeDocument/2006/relationships" xmlns:p="http://schemas.openxmlformats.org/presentationml/2006/main" type="objTx" preserve="1">
   <p:cSld name="Contenuto con didascalia">
     <p:spTree>
       <p:nvGrpSpPr>
@@ -3174,7 +3161,7 @@
 </file>
 
 <file path=ppt/slideLayouts/slideLayout20.xml><?xml version="1.0" encoding="utf-8"?>
-<p:sldLayout xmlns:a="http://schemas.openxmlformats.org/drawingml/2006/main" xmlns:r="http://schemas.openxmlformats.org/officeDocument/2006/relationships" xmlns:p="http://schemas.openxmlformats.org/presentationml/2006/main" showMasterSp="0" type="picTx" preserve="1">
+<p:sldLayout xmlns:a="http://schemas.openxmlformats.org/drawingml/2006/main" xmlns:r="http://schemas.openxmlformats.org/officeDocument/2006/relationships" xmlns:p="http://schemas.openxmlformats.org/presentationml/2006/main" type="picTx" preserve="1">
   <p:cSld name="Immagine con didascalia">
     <p:spTree>
       <p:nvGrpSpPr>
@@ -6709,8 +6696,16 @@
 </file>
 
 <file path=ppt/slides/slide1.xml><?xml version="1.0" encoding="utf-8"?>
-<p:sld xmlns:a="http://schemas.openxmlformats.org/drawingml/2006/main" xmlns:r="http://schemas.openxmlformats.org/officeDocument/2006/relationships" xmlns:p="http://schemas.openxmlformats.org/presentationml/2006/main">
+<p:sld xmlns:a="http://schemas.openxmlformats.org/drawingml/2006/main" xmlns:r="http://schemas.openxmlformats.org/officeDocument/2006/relationships" xmlns:p="http://schemas.openxmlformats.org/presentationml/2006/main" showMasterSp="0">
   <p:cSld>
+    <p:bg>
+      <p:bgPr>
+        <a:solidFill>
+          <a:schemeClr val="bg2"/>
+        </a:solidFill>
+        <a:effectLst/>
+      </p:bgPr>
+    </p:bg>
     <p:spTree>
       <p:nvGrpSpPr>
         <p:cNvPr id="1" name=""/>
@@ -6737,8 +6732,8 @@
         </p:nvSpPr>
         <p:spPr>
           <a:xfrm>
-            <a:off x="1467729" y="1040005"/>
-            <a:ext cx="9144000" cy="2307138"/>
+            <a:off x="0" y="337987"/>
+            <a:ext cx="12191999" cy="1335100"/>
           </a:xfrm>
         </p:spPr>
         <p:txBody>
@@ -6748,40 +6743,30 @@
           <a:lstStyle/>
           <a:p>
             <a:r>
-              <a:rPr lang="it-IT" dirty="0" smtClean="0">
+              <a:rPr lang="it-IT" sz="4400" dirty="0" smtClean="0">
                 <a:solidFill>
                   <a:srgbClr val="4F4D46"/>
                 </a:solidFill>
-                <a:latin typeface="Town 40 Stencil" panose="00000500000000000000" pitchFamily="2" charset="0"/>
-                <a:cs typeface="Calibri" panose="020F0502020204030204" pitchFamily="34" charset="0"/>
-              </a:rPr>
-              <a:t>Suit</a:t>
-            </a:r>
-            <a:r>
-              <a:rPr lang="it-IT" dirty="0" smtClean="0">
+                <a:latin typeface="Avenir LT Std 35 Light" panose="020B0402020203020204" pitchFamily="34" charset="0"/>
+              </a:rPr>
+              <a:t>Alternanza scuola-lavoro </a:t>
+            </a:r>
+            <a:br>
+              <a:rPr lang="it-IT" sz="4400" dirty="0" smtClean="0">
                 <a:solidFill>
                   <a:srgbClr val="4F4D46"/>
                 </a:solidFill>
-                <a:latin typeface="Town 40 Stencil" panose="00000500000000000000" pitchFamily="2" charset="0"/>
-              </a:rPr>
-              <a:t/>
-            </a:r>
-            <a:br>
-              <a:rPr lang="it-IT" dirty="0" smtClean="0">
+                <a:latin typeface="Avenir LT Std 35 Light" panose="020B0402020203020204" pitchFamily="34" charset="0"/>
+              </a:rPr>
+            </a:br>
+            <a:r>
+              <a:rPr lang="it-IT" sz="4400" dirty="0" smtClean="0">
                 <a:solidFill>
                   <a:srgbClr val="4F4D46"/>
                 </a:solidFill>
-                <a:latin typeface="Town 40 Stencil" panose="00000500000000000000" pitchFamily="2" charset="0"/>
-              </a:rPr>
-            </a:br>
-            <a:r>
-              <a:rPr lang="it-IT" sz="4400" dirty="0" smtClean="0">
-                <a:solidFill>
-                  <a:srgbClr val="4F4D46"/>
-                </a:solidFill>
                 <a:latin typeface="Avenir LT Std 35 Light" panose="020B0402020203020204" pitchFamily="34" charset="0"/>
               </a:rPr>
-              <a:t>Alternanza scuola-lavoro 2018/2019</a:t>
+              <a:t>2018/2019</a:t>
             </a:r>
             <a:endParaRPr lang="it-IT" sz="4400" dirty="0">
               <a:solidFill>
@@ -6792,53 +6777,6 @@
           </a:p>
         </p:txBody>
       </p:sp>
-      <p:pic>
-        <p:nvPicPr>
-          <p:cNvPr id="5" name="Immagine 4"/>
-          <p:cNvPicPr>
-            <a:picLocks noChangeAspect="1"/>
-          </p:cNvPicPr>
-          <p:nvPr/>
-        </p:nvPicPr>
-        <p:blipFill>
-          <a:blip r:embed="rId2" cstate="print">
-            <a:duotone>
-              <a:schemeClr val="accent1">
-                <a:shade val="45000"/>
-                <a:satMod val="135000"/>
-              </a:schemeClr>
-              <a:prstClr val="white"/>
-            </a:duotone>
-            <a:extLst>
-              <a:ext uri="{BEBA8EAE-BF5A-486C-A8C5-ECC9F3942E4B}">
-                <a14:imgProps xmlns:a14="http://schemas.microsoft.com/office/drawing/2010/main">
-                  <a14:imgLayer r:embed="rId3">
-                    <a14:imgEffect>
-                      <a14:brightnessContrast bright="-98000" contrast="-1000"/>
-                    </a14:imgEffect>
-                  </a14:imgLayer>
-                </a14:imgProps>
-              </a:ext>
-              <a:ext uri="{28A0092B-C50C-407E-A947-70E740481C1C}">
-                <a14:useLocalDpi xmlns:a14="http://schemas.microsoft.com/office/drawing/2010/main" val="0"/>
-              </a:ext>
-            </a:extLst>
-          </a:blip>
-          <a:stretch>
-            <a:fillRect/>
-          </a:stretch>
-        </p:blipFill>
-        <p:spPr>
-          <a:xfrm>
-            <a:off x="2842218" y="3339872"/>
-            <a:ext cx="2278423" cy="2278423"/>
-          </a:xfrm>
-          <a:prstGeom prst="rect">
-            <a:avLst/>
-          </a:prstGeom>
-          <a:noFill/>
-        </p:spPr>
-      </p:pic>
       <p:pic>
         <p:nvPicPr>
           <p:cNvPr id="3" name="Immagine 2"/>
@@ -6848,7 +6786,7 @@
           <p:nvPr/>
         </p:nvPicPr>
         <p:blipFill>
-          <a:blip r:embed="rId4">
+          <a:blip r:embed="rId2">
             <a:extLst>
               <a:ext uri="{28A0092B-C50C-407E-A947-70E740481C1C}">
                 <a14:useLocalDpi xmlns:a14="http://schemas.microsoft.com/office/drawing/2010/main" val="0"/>
@@ -6861,8 +6799,8 @@
         </p:blipFill>
         <p:spPr>
           <a:xfrm>
-            <a:off x="43336" y="5290457"/>
-            <a:ext cx="1424393" cy="1773104"/>
+            <a:off x="3299450" y="4394465"/>
+            <a:ext cx="1521904" cy="1894487"/>
           </a:xfrm>
           <a:prstGeom prst="rect">
             <a:avLst/>
@@ -6871,14 +6809,14 @@
       </p:pic>
       <p:pic>
         <p:nvPicPr>
-          <p:cNvPr id="4" name="Immagine 3"/>
+          <p:cNvPr id="7" name="Immagine 6"/>
           <p:cNvPicPr>
             <a:picLocks noChangeAspect="1"/>
           </p:cNvPicPr>
           <p:nvPr/>
         </p:nvPicPr>
         <p:blipFill>
-          <a:blip r:embed="rId5" cstate="print">
+          <a:blip r:embed="rId3">
             <a:extLst>
               <a:ext uri="{28A0092B-C50C-407E-A947-70E740481C1C}">
                 <a14:useLocalDpi xmlns:a14="http://schemas.microsoft.com/office/drawing/2010/main" val="0"/>
@@ -6891,14 +6829,120 @@
         </p:blipFill>
         <p:spPr>
           <a:xfrm>
-            <a:off x="6003223" y="3823016"/>
-            <a:ext cx="3725924" cy="1319406"/>
+            <a:off x="6693516" y="4603470"/>
+            <a:ext cx="2475644" cy="1079604"/>
           </a:xfrm>
           <a:prstGeom prst="rect">
             <a:avLst/>
           </a:prstGeom>
+          <a:ln>
+            <a:noFill/>
+          </a:ln>
+          <a:effectLst>
+            <a:outerShdw blurRad="50800" dist="50800" dir="5400000" algn="ctr" rotWithShape="0">
+              <a:srgbClr val="000000">
+                <a:alpha val="0"/>
+              </a:srgbClr>
+            </a:outerShdw>
+          </a:effectLst>
         </p:spPr>
       </p:pic>
+      <p:grpSp>
+        <p:nvGrpSpPr>
+          <p:cNvPr id="4" name="Gruppo 3"/>
+          <p:cNvGrpSpPr/>
+          <p:nvPr/>
+        </p:nvGrpSpPr>
+        <p:grpSpPr>
+          <a:xfrm>
+            <a:off x="3482330" y="2207255"/>
+            <a:ext cx="5227337" cy="1862048"/>
+            <a:chOff x="3614520" y="2311757"/>
+            <a:chExt cx="5227337" cy="1862048"/>
+          </a:xfrm>
+        </p:grpSpPr>
+        <p:sp>
+          <p:nvSpPr>
+            <p:cNvPr id="6" name="CasellaDiTesto 5"/>
+            <p:cNvSpPr txBox="1"/>
+            <p:nvPr/>
+          </p:nvSpPr>
+          <p:spPr>
+            <a:xfrm>
+              <a:off x="3614520" y="2311757"/>
+              <a:ext cx="3427541" cy="1862048"/>
+            </a:xfrm>
+            <a:prstGeom prst="rect">
+              <a:avLst/>
+            </a:prstGeom>
+            <a:noFill/>
+          </p:spPr>
+          <p:txBody>
+            <a:bodyPr wrap="none" rtlCol="0">
+              <a:spAutoFit/>
+            </a:bodyPr>
+            <a:lstStyle/>
+            <a:p>
+              <a:r>
+                <a:rPr lang="it-IT" sz="11500" dirty="0" smtClean="0">
+                  <a:solidFill>
+                    <a:schemeClr val="accent1">
+                      <a:lumMod val="75000"/>
+                    </a:schemeClr>
+                  </a:solidFill>
+                  <a:latin typeface="Town 40 Stencil Medium" panose="00000600000000000000" pitchFamily="2" charset="0"/>
+                </a:rPr>
+                <a:t>SUIT</a:t>
+              </a:r>
+              <a:endParaRPr lang="it-IT" sz="11500" dirty="0">
+                <a:solidFill>
+                  <a:schemeClr val="accent1">
+                    <a:lumMod val="75000"/>
+                  </a:schemeClr>
+                </a:solidFill>
+                <a:latin typeface="Town 40 Stencil Medium" panose="00000600000000000000" pitchFamily="2" charset="0"/>
+              </a:endParaRPr>
+            </a:p>
+          </p:txBody>
+        </p:sp>
+        <p:pic>
+          <p:nvPicPr>
+            <p:cNvPr id="9" name="Immagine 8"/>
+            <p:cNvPicPr>
+              <a:picLocks noChangeAspect="1"/>
+            </p:cNvPicPr>
+            <p:nvPr/>
+          </p:nvPicPr>
+          <p:blipFill>
+            <a:blip r:embed="rId4" cstate="print">
+              <a:duotone>
+                <a:schemeClr val="accent1">
+                  <a:shade val="45000"/>
+                  <a:satMod val="135000"/>
+                </a:schemeClr>
+                <a:prstClr val="white"/>
+              </a:duotone>
+              <a:extLst>
+                <a:ext uri="{28A0092B-C50C-407E-A947-70E740481C1C}">
+                  <a14:useLocalDpi xmlns:a14="http://schemas.microsoft.com/office/drawing/2010/main" val="0"/>
+                </a:ext>
+              </a:extLst>
+            </a:blip>
+            <a:stretch>
+              <a:fillRect/>
+            </a:stretch>
+          </p:blipFill>
+          <p:spPr>
+            <a:xfrm>
+              <a:off x="7415828" y="2529766"/>
+              <a:ext cx="1426029" cy="1426029"/>
+            </a:xfrm>
+            <a:prstGeom prst="rect">
+              <a:avLst/>
+            </a:prstGeom>
+          </p:spPr>
+        </p:pic>
+      </p:grpSp>
     </p:spTree>
     <p:extLst>
       <p:ext uri="{BB962C8B-B14F-4D97-AF65-F5344CB8AC3E}">

--- a/resources/EN - Suit Database.pptx
+++ b/resources/EN - Suit Database.pptx
@@ -6799,7 +6799,7 @@
         </p:blipFill>
         <p:spPr>
           <a:xfrm>
-            <a:off x="3299450" y="4394465"/>
+            <a:off x="3795840" y="4642662"/>
             <a:ext cx="1521904" cy="1894487"/>
           </a:xfrm>
           <a:prstGeom prst="rect">
@@ -6829,7 +6829,7 @@
         </p:blipFill>
         <p:spPr>
           <a:xfrm>
-            <a:off x="6693516" y="4603470"/>
+            <a:off x="6568975" y="4811583"/>
             <a:ext cx="2475644" cy="1079604"/>
           </a:xfrm>
           <a:prstGeom prst="rect">
@@ -6855,10 +6855,10 @@
         </p:nvGrpSpPr>
         <p:grpSpPr>
           <a:xfrm>
-            <a:off x="3482330" y="2207255"/>
-            <a:ext cx="5227337" cy="1862048"/>
-            <a:chOff x="3614520" y="2311757"/>
-            <a:chExt cx="5227337" cy="1862048"/>
+            <a:off x="2629056" y="1747587"/>
+            <a:ext cx="6933889" cy="2646878"/>
+            <a:chOff x="2752371" y="1852089"/>
+            <a:chExt cx="6933889" cy="2646878"/>
           </a:xfrm>
         </p:grpSpPr>
         <p:sp>
@@ -6869,8 +6869,8 @@
           </p:nvSpPr>
           <p:spPr>
             <a:xfrm>
-              <a:off x="3614520" y="2311757"/>
-              <a:ext cx="3427541" cy="1862048"/>
+              <a:off x="2752371" y="1852089"/>
+              <a:ext cx="4862228" cy="2646878"/>
             </a:xfrm>
             <a:prstGeom prst="rect">
               <a:avLst/>
@@ -6884,7 +6884,7 @@
             <a:lstStyle/>
             <a:p>
               <a:r>
-                <a:rPr lang="it-IT" sz="11500" dirty="0" smtClean="0">
+                <a:rPr lang="it-IT" sz="16600" dirty="0" smtClean="0">
                   <a:solidFill>
                     <a:schemeClr val="accent1">
                       <a:lumMod val="75000"/>
@@ -6894,7 +6894,7 @@
                 </a:rPr>
                 <a:t>SUIT</a:t>
               </a:r>
-              <a:endParaRPr lang="it-IT" sz="11500" dirty="0">
+              <a:endParaRPr lang="it-IT" sz="16600" dirty="0">
                 <a:solidFill>
                   <a:schemeClr val="accent1">
                     <a:lumMod val="75000"/>
@@ -6934,8 +6934,8 @@
           </p:blipFill>
           <p:spPr>
             <a:xfrm>
-              <a:off x="7415828" y="2529766"/>
-              <a:ext cx="1426029" cy="1426029"/>
+              <a:off x="7614599" y="2143453"/>
+              <a:ext cx="2071661" cy="2071661"/>
             </a:xfrm>
             <a:prstGeom prst="rect">
               <a:avLst/>

--- a/resources/EN - Suit Database.pptx
+++ b/resources/EN - Suit Database.pptx
@@ -16,8 +16,9 @@
     <p:sldId id="270" r:id="rId10"/>
     <p:sldId id="271" r:id="rId11"/>
     <p:sldId id="272" r:id="rId12"/>
-    <p:sldId id="273" r:id="rId13"/>
-    <p:sldId id="269" r:id="rId14"/>
+    <p:sldId id="274" r:id="rId13"/>
+    <p:sldId id="273" r:id="rId14"/>
+    <p:sldId id="269" r:id="rId15"/>
   </p:sldIdLst>
   <p:sldSz cx="12192000" cy="6858000"/>
   <p:notesSz cx="6858000" cy="9144000"/>
@@ -266,7 +267,7 @@
           <a:p>
             <a:fld id="{6705913C-D455-491B-A56E-B276DCE62E7A}" type="datetimeFigureOut">
               <a:rPr lang="it-IT" smtClean="0"/>
-              <a:t>12/03/2019</a:t>
+              <a:t>02/04/2019</a:t>
             </a:fld>
             <a:endParaRPr lang="it-IT"/>
           </a:p>
@@ -436,7 +437,7 @@
           <a:p>
             <a:fld id="{6705913C-D455-491B-A56E-B276DCE62E7A}" type="datetimeFigureOut">
               <a:rPr lang="it-IT" smtClean="0"/>
-              <a:t>12/03/2019</a:t>
+              <a:t>02/04/2019</a:t>
             </a:fld>
             <a:endParaRPr lang="it-IT"/>
           </a:p>
@@ -616,7 +617,7 @@
           <a:p>
             <a:fld id="{6705913C-D455-491B-A56E-B276DCE62E7A}" type="datetimeFigureOut">
               <a:rPr lang="it-IT" smtClean="0"/>
-              <a:t>12/03/2019</a:t>
+              <a:t>02/04/2019</a:t>
             </a:fld>
             <a:endParaRPr lang="it-IT"/>
           </a:p>
@@ -838,7 +839,7 @@
           <a:p>
             <a:fld id="{6705913C-D455-491B-A56E-B276DCE62E7A}" type="datetimeFigureOut">
               <a:rPr lang="it-IT" smtClean="0"/>
-              <a:t>12/03/2019</a:t>
+              <a:t>02/04/2019</a:t>
             </a:fld>
             <a:endParaRPr lang="it-IT"/>
           </a:p>
@@ -1163,7 +1164,7 @@
           <a:p>
             <a:fld id="{6705913C-D455-491B-A56E-B276DCE62E7A}" type="datetimeFigureOut">
               <a:rPr lang="it-IT" smtClean="0"/>
-              <a:t>12/03/2019</a:t>
+              <a:t>02/04/2019</a:t>
             </a:fld>
             <a:endParaRPr lang="it-IT"/>
           </a:p>
@@ -1435,7 +1436,7 @@
           <a:p>
             <a:fld id="{6705913C-D455-491B-A56E-B276DCE62E7A}" type="datetimeFigureOut">
               <a:rPr lang="it-IT" smtClean="0"/>
-              <a:t>12/03/2019</a:t>
+              <a:t>02/04/2019</a:t>
             </a:fld>
             <a:endParaRPr lang="it-IT"/>
           </a:p>
@@ -1829,7 +1830,7 @@
           <a:p>
             <a:fld id="{6705913C-D455-491B-A56E-B276DCE62E7A}" type="datetimeFigureOut">
               <a:rPr lang="it-IT" smtClean="0"/>
-              <a:t>12/03/2019</a:t>
+              <a:t>02/04/2019</a:t>
             </a:fld>
             <a:endParaRPr lang="it-IT"/>
           </a:p>
@@ -2306,7 +2307,7 @@
           <a:p>
             <a:fld id="{6705913C-D455-491B-A56E-B276DCE62E7A}" type="datetimeFigureOut">
               <a:rPr lang="it-IT" smtClean="0"/>
-              <a:t>12/03/2019</a:t>
+              <a:t>02/04/2019</a:t>
             </a:fld>
             <a:endParaRPr lang="it-IT"/>
           </a:p>
@@ -2424,7 +2425,7 @@
           <a:p>
             <a:fld id="{6705913C-D455-491B-A56E-B276DCE62E7A}" type="datetimeFigureOut">
               <a:rPr lang="it-IT" smtClean="0"/>
-              <a:t>12/03/2019</a:t>
+              <a:t>02/04/2019</a:t>
             </a:fld>
             <a:endParaRPr lang="it-IT"/>
           </a:p>
@@ -2519,7 +2520,7 @@
           <a:p>
             <a:fld id="{6705913C-D455-491B-A56E-B276DCE62E7A}" type="datetimeFigureOut">
               <a:rPr lang="it-IT" smtClean="0"/>
-              <a:t>12/03/2019</a:t>
+              <a:t>02/04/2019</a:t>
             </a:fld>
             <a:endParaRPr lang="it-IT"/>
           </a:p>
@@ -2865,7 +2866,7 @@
           <a:p>
             <a:fld id="{6705913C-D455-491B-A56E-B276DCE62E7A}" type="datetimeFigureOut">
               <a:rPr lang="it-IT" smtClean="0"/>
-              <a:t>12/03/2019</a:t>
+              <a:t>02/04/2019</a:t>
             </a:fld>
             <a:endParaRPr lang="it-IT"/>
           </a:p>
@@ -3099,7 +3100,7 @@
           <a:p>
             <a:fld id="{6705913C-D455-491B-A56E-B276DCE62E7A}" type="datetimeFigureOut">
               <a:rPr lang="it-IT" smtClean="0"/>
-              <a:t>12/03/2019</a:t>
+              <a:t>02/04/2019</a:t>
             </a:fld>
             <a:endParaRPr lang="it-IT"/>
           </a:p>
@@ -3423,7 +3424,7 @@
           <a:p>
             <a:fld id="{6705913C-D455-491B-A56E-B276DCE62E7A}" type="datetimeFigureOut">
               <a:rPr lang="it-IT" smtClean="0"/>
-              <a:t>12/03/2019</a:t>
+              <a:t>02/04/2019</a:t>
             </a:fld>
             <a:endParaRPr lang="it-IT"/>
           </a:p>
@@ -3662,7 +3663,7 @@
           <a:p>
             <a:fld id="{6705913C-D455-491B-A56E-B276DCE62E7A}" type="datetimeFigureOut">
               <a:rPr lang="it-IT" smtClean="0"/>
-              <a:t>12/03/2019</a:t>
+              <a:t>02/04/2019</a:t>
             </a:fld>
             <a:endParaRPr lang="it-IT"/>
           </a:p>
@@ -3842,7 +3843,7 @@
           <a:p>
             <a:fld id="{6705913C-D455-491B-A56E-B276DCE62E7A}" type="datetimeFigureOut">
               <a:rPr lang="it-IT" smtClean="0"/>
-              <a:t>12/03/2019</a:t>
+              <a:t>02/04/2019</a:t>
             </a:fld>
             <a:endParaRPr lang="it-IT"/>
           </a:p>
@@ -4093,7 +4094,7 @@
           <a:p>
             <a:fld id="{6705913C-D455-491B-A56E-B276DCE62E7A}" type="datetimeFigureOut">
               <a:rPr lang="it-IT" smtClean="0"/>
-              <a:t>12/03/2019</a:t>
+              <a:t>02/04/2019</a:t>
             </a:fld>
             <a:endParaRPr lang="it-IT"/>
           </a:p>
@@ -4325,7 +4326,7 @@
           <a:p>
             <a:fld id="{6705913C-D455-491B-A56E-B276DCE62E7A}" type="datetimeFigureOut">
               <a:rPr lang="it-IT" smtClean="0"/>
-              <a:t>12/03/2019</a:t>
+              <a:t>02/04/2019</a:t>
             </a:fld>
             <a:endParaRPr lang="it-IT"/>
           </a:p>
@@ -4672,7 +4673,7 @@
           <a:p>
             <a:fld id="{6705913C-D455-491B-A56E-B276DCE62E7A}" type="datetimeFigureOut">
               <a:rPr lang="it-IT" smtClean="0"/>
-              <a:t>12/03/2019</a:t>
+              <a:t>02/04/2019</a:t>
             </a:fld>
             <a:endParaRPr lang="it-IT"/>
           </a:p>
@@ -4790,7 +4791,7 @@
           <a:p>
             <a:fld id="{6705913C-D455-491B-A56E-B276DCE62E7A}" type="datetimeFigureOut">
               <a:rPr lang="it-IT" smtClean="0"/>
-              <a:t>12/03/2019</a:t>
+              <a:t>02/04/2019</a:t>
             </a:fld>
             <a:endParaRPr lang="it-IT"/>
           </a:p>
@@ -4908,7 +4909,7 @@
           <a:p>
             <a:fld id="{6705913C-D455-491B-A56E-B276DCE62E7A}" type="datetimeFigureOut">
               <a:rPr lang="it-IT" smtClean="0"/>
-              <a:t>12/03/2019</a:t>
+              <a:t>02/04/2019</a:t>
             </a:fld>
             <a:endParaRPr lang="it-IT"/>
           </a:p>
@@ -5192,7 +5193,7 @@
           <a:p>
             <a:fld id="{6705913C-D455-491B-A56E-B276DCE62E7A}" type="datetimeFigureOut">
               <a:rPr lang="it-IT" smtClean="0"/>
-              <a:t>12/03/2019</a:t>
+              <a:t>02/04/2019</a:t>
             </a:fld>
             <a:endParaRPr lang="it-IT"/>
           </a:p>
@@ -5456,7 +5457,7 @@
           <a:p>
             <a:fld id="{6705913C-D455-491B-A56E-B276DCE62E7A}" type="datetimeFigureOut">
               <a:rPr lang="it-IT" smtClean="0"/>
-              <a:t>12/03/2019</a:t>
+              <a:t>02/04/2019</a:t>
             </a:fld>
             <a:endParaRPr lang="it-IT"/>
           </a:p>
@@ -5670,7 +5671,7 @@
           <a:p>
             <a:fld id="{6705913C-D455-491B-A56E-B276DCE62E7A}" type="datetimeFigureOut">
               <a:rPr lang="it-IT" smtClean="0"/>
-              <a:t>12/03/2019</a:t>
+              <a:t>02/04/2019</a:t>
             </a:fld>
             <a:endParaRPr lang="it-IT"/>
           </a:p>
@@ -6200,7 +6201,7 @@
           <a:p>
             <a:fld id="{6705913C-D455-491B-A56E-B276DCE62E7A}" type="datetimeFigureOut">
               <a:rPr lang="it-IT" smtClean="0"/>
-              <a:t>12/03/2019</a:t>
+              <a:t>02/04/2019</a:t>
             </a:fld>
             <a:endParaRPr lang="it-IT"/>
           </a:p>
@@ -7114,7 +7115,7 @@
         </p:blipFill>
         <p:spPr>
           <a:xfrm>
-            <a:off x="2618204" y="2977933"/>
+            <a:off x="2870093" y="2730137"/>
             <a:ext cx="7328343" cy="2646357"/>
           </a:xfrm>
           <a:prstGeom prst="rect">
@@ -7169,241 +7170,6 @@
           <a:noFill/>
         </p:spPr>
       </p:pic>
-      <p:sp>
-        <p:nvSpPr>
-          <p:cNvPr id="12" name="Segnaposto contenuto 2"/>
-          <p:cNvSpPr txBox="1">
-            <a:spLocks/>
-          </p:cNvSpPr>
-          <p:nvPr/>
-        </p:nvSpPr>
-        <p:spPr>
-          <a:xfrm>
-            <a:off x="9313817" y="6486123"/>
-            <a:ext cx="2868710" cy="361406"/>
-          </a:xfrm>
-          <a:prstGeom prst="rect">
-            <a:avLst/>
-          </a:prstGeom>
-        </p:spPr>
-        <p:txBody>
-          <a:bodyPr vert="horz" lIns="91440" tIns="45720" rIns="91440" bIns="45720" rtlCol="0">
-            <a:noAutofit/>
-          </a:bodyPr>
-          <a:lstStyle>
-            <a:lvl1pPr marL="228600" indent="-228600" algn="l" defTabSz="914400" rtl="0" eaLnBrk="1" latinLnBrk="0" hangingPunct="1">
-              <a:lnSpc>
-                <a:spcPct val="90000"/>
-              </a:lnSpc>
-              <a:spcBef>
-                <a:spcPts val="1000"/>
-              </a:spcBef>
-              <a:buFont typeface="Arial" panose="020B0604020202020204" pitchFamily="34" charset="0"/>
-              <a:buChar char="•"/>
-              <a:defRPr sz="2800" kern="1200">
-                <a:solidFill>
-                  <a:schemeClr val="tx1"/>
-                </a:solidFill>
-                <a:latin typeface="+mn-lt"/>
-                <a:ea typeface="+mn-ea"/>
-                <a:cs typeface="+mn-cs"/>
-              </a:defRPr>
-            </a:lvl1pPr>
-            <a:lvl2pPr marL="685800" indent="-228600" algn="l" defTabSz="914400" rtl="0" eaLnBrk="1" latinLnBrk="0" hangingPunct="1">
-              <a:lnSpc>
-                <a:spcPct val="90000"/>
-              </a:lnSpc>
-              <a:spcBef>
-                <a:spcPts val="500"/>
-              </a:spcBef>
-              <a:buFont typeface="Arial" panose="020B0604020202020204" pitchFamily="34" charset="0"/>
-              <a:buChar char="•"/>
-              <a:defRPr sz="2400" kern="1200">
-                <a:solidFill>
-                  <a:schemeClr val="tx1"/>
-                </a:solidFill>
-                <a:latin typeface="+mn-lt"/>
-                <a:ea typeface="+mn-ea"/>
-                <a:cs typeface="+mn-cs"/>
-              </a:defRPr>
-            </a:lvl2pPr>
-            <a:lvl3pPr marL="1143000" indent="-228600" algn="l" defTabSz="914400" rtl="0" eaLnBrk="1" latinLnBrk="0" hangingPunct="1">
-              <a:lnSpc>
-                <a:spcPct val="90000"/>
-              </a:lnSpc>
-              <a:spcBef>
-                <a:spcPts val="500"/>
-              </a:spcBef>
-              <a:buFont typeface="Arial" panose="020B0604020202020204" pitchFamily="34" charset="0"/>
-              <a:buChar char="•"/>
-              <a:defRPr sz="2000" kern="1200">
-                <a:solidFill>
-                  <a:schemeClr val="tx1"/>
-                </a:solidFill>
-                <a:latin typeface="+mn-lt"/>
-                <a:ea typeface="+mn-ea"/>
-                <a:cs typeface="+mn-cs"/>
-              </a:defRPr>
-            </a:lvl3pPr>
-            <a:lvl4pPr marL="1600200" indent="-228600" algn="l" defTabSz="914400" rtl="0" eaLnBrk="1" latinLnBrk="0" hangingPunct="1">
-              <a:lnSpc>
-                <a:spcPct val="90000"/>
-              </a:lnSpc>
-              <a:spcBef>
-                <a:spcPts val="500"/>
-              </a:spcBef>
-              <a:buFont typeface="Arial" panose="020B0604020202020204" pitchFamily="34" charset="0"/>
-              <a:buChar char="•"/>
-              <a:defRPr sz="1800" kern="1200">
-                <a:solidFill>
-                  <a:schemeClr val="tx1"/>
-                </a:solidFill>
-                <a:latin typeface="+mn-lt"/>
-                <a:ea typeface="+mn-ea"/>
-                <a:cs typeface="+mn-cs"/>
-              </a:defRPr>
-            </a:lvl4pPr>
-            <a:lvl5pPr marL="2057400" indent="-228600" algn="l" defTabSz="914400" rtl="0" eaLnBrk="1" latinLnBrk="0" hangingPunct="1">
-              <a:lnSpc>
-                <a:spcPct val="90000"/>
-              </a:lnSpc>
-              <a:spcBef>
-                <a:spcPts val="500"/>
-              </a:spcBef>
-              <a:buFont typeface="Arial" panose="020B0604020202020204" pitchFamily="34" charset="0"/>
-              <a:buChar char="•"/>
-              <a:defRPr sz="1800" kern="1200">
-                <a:solidFill>
-                  <a:schemeClr val="tx1"/>
-                </a:solidFill>
-                <a:latin typeface="+mn-lt"/>
-                <a:ea typeface="+mn-ea"/>
-                <a:cs typeface="+mn-cs"/>
-              </a:defRPr>
-            </a:lvl5pPr>
-            <a:lvl6pPr marL="2514600" indent="-228600" algn="l" defTabSz="914400" rtl="0" eaLnBrk="1" latinLnBrk="0" hangingPunct="1">
-              <a:lnSpc>
-                <a:spcPct val="90000"/>
-              </a:lnSpc>
-              <a:spcBef>
-                <a:spcPts val="500"/>
-              </a:spcBef>
-              <a:buFont typeface="Arial" panose="020B0604020202020204" pitchFamily="34" charset="0"/>
-              <a:buChar char="•"/>
-              <a:defRPr sz="1800" kern="1200">
-                <a:solidFill>
-                  <a:schemeClr val="tx1"/>
-                </a:solidFill>
-                <a:latin typeface="+mn-lt"/>
-                <a:ea typeface="+mn-ea"/>
-                <a:cs typeface="+mn-cs"/>
-              </a:defRPr>
-            </a:lvl6pPr>
-            <a:lvl7pPr marL="2971800" indent="-228600" algn="l" defTabSz="914400" rtl="0" eaLnBrk="1" latinLnBrk="0" hangingPunct="1">
-              <a:lnSpc>
-                <a:spcPct val="90000"/>
-              </a:lnSpc>
-              <a:spcBef>
-                <a:spcPts val="500"/>
-              </a:spcBef>
-              <a:buFont typeface="Arial" panose="020B0604020202020204" pitchFamily="34" charset="0"/>
-              <a:buChar char="•"/>
-              <a:defRPr sz="1800" kern="1200">
-                <a:solidFill>
-                  <a:schemeClr val="tx1"/>
-                </a:solidFill>
-                <a:latin typeface="+mn-lt"/>
-                <a:ea typeface="+mn-ea"/>
-                <a:cs typeface="+mn-cs"/>
-              </a:defRPr>
-            </a:lvl7pPr>
-            <a:lvl8pPr marL="3429000" indent="-228600" algn="l" defTabSz="914400" rtl="0" eaLnBrk="1" latinLnBrk="0" hangingPunct="1">
-              <a:lnSpc>
-                <a:spcPct val="90000"/>
-              </a:lnSpc>
-              <a:spcBef>
-                <a:spcPts val="500"/>
-              </a:spcBef>
-              <a:buFont typeface="Arial" panose="020B0604020202020204" pitchFamily="34" charset="0"/>
-              <a:buChar char="•"/>
-              <a:defRPr sz="1800" kern="1200">
-                <a:solidFill>
-                  <a:schemeClr val="tx1"/>
-                </a:solidFill>
-                <a:latin typeface="+mn-lt"/>
-                <a:ea typeface="+mn-ea"/>
-                <a:cs typeface="+mn-cs"/>
-              </a:defRPr>
-            </a:lvl8pPr>
-            <a:lvl9pPr marL="3886200" indent="-228600" algn="l" defTabSz="914400" rtl="0" eaLnBrk="1" latinLnBrk="0" hangingPunct="1">
-              <a:lnSpc>
-                <a:spcPct val="90000"/>
-              </a:lnSpc>
-              <a:spcBef>
-                <a:spcPts val="500"/>
-              </a:spcBef>
-              <a:buFont typeface="Arial" panose="020B0604020202020204" pitchFamily="34" charset="0"/>
-              <a:buChar char="•"/>
-              <a:defRPr sz="1800" kern="1200">
-                <a:solidFill>
-                  <a:schemeClr val="tx1"/>
-                </a:solidFill>
-                <a:latin typeface="+mn-lt"/>
-                <a:ea typeface="+mn-ea"/>
-                <a:cs typeface="+mn-cs"/>
-              </a:defRPr>
-            </a:lvl9pPr>
-          </a:lstStyle>
-          <a:p>
-            <a:pPr marL="0" indent="0" algn="just">
-              <a:buFont typeface="Arial" panose="020B0604020202020204" pitchFamily="34" charset="0"/>
-              <a:buNone/>
-            </a:pPr>
-            <a:r>
-              <a:rPr lang="it-IT" sz="1600" b="1" dirty="0" smtClean="0">
-                <a:solidFill>
-                  <a:srgbClr val="000000"/>
-                </a:solidFill>
-                <a:latin typeface="Avenir LT Std 35 Light" panose="020B0402020203020204" pitchFamily="34" charset="0"/>
-              </a:rPr>
-              <a:t>In </a:t>
-            </a:r>
-            <a:r>
-              <a:rPr lang="it-IT" sz="1600" b="1" dirty="0" err="1" smtClean="0">
-                <a:solidFill>
-                  <a:srgbClr val="000000"/>
-                </a:solidFill>
-                <a:latin typeface="Avenir LT Std 35 Light" panose="020B0402020203020204" pitchFamily="34" charset="0"/>
-              </a:rPr>
-              <a:t>phase</a:t>
-            </a:r>
-            <a:r>
-              <a:rPr lang="it-IT" sz="1600" b="1" dirty="0" smtClean="0">
-                <a:solidFill>
-                  <a:srgbClr val="000000"/>
-                </a:solidFill>
-                <a:latin typeface="Avenir LT Std 35 Light" panose="020B0402020203020204" pitchFamily="34" charset="0"/>
-              </a:rPr>
-              <a:t> of </a:t>
-            </a:r>
-            <a:r>
-              <a:rPr lang="it-IT" sz="1600" b="1" dirty="0" err="1" smtClean="0">
-                <a:solidFill>
-                  <a:srgbClr val="000000"/>
-                </a:solidFill>
-                <a:latin typeface="Avenir LT Std 35 Light" panose="020B0402020203020204" pitchFamily="34" charset="0"/>
-              </a:rPr>
-              <a:t>implementation</a:t>
-            </a:r>
-            <a:endParaRPr lang="it-IT" sz="1600" b="1" dirty="0">
-              <a:solidFill>
-                <a:srgbClr val="000000"/>
-              </a:solidFill>
-              <a:latin typeface="Avenir LT Std 35 Light" panose="020B0402020203020204" pitchFamily="34" charset="0"/>
-            </a:endParaRPr>
-          </a:p>
-        </p:txBody>
-      </p:sp>
     </p:spTree>
     <p:extLst>
       <p:ext uri="{BB962C8B-B14F-4D97-AF65-F5344CB8AC3E}">
@@ -7457,14 +7223,29 @@
           <a:lstStyle/>
           <a:p>
             <a:r>
-              <a:rPr lang="it-IT" sz="3400" b="1" dirty="0">
-                <a:solidFill>
-                  <a:srgbClr val="000000"/>
-                </a:solidFill>
-                <a:latin typeface="Avenir LT Std 35 Light" panose="020B0402020203020204" pitchFamily="34" charset="0"/>
-              </a:rPr>
-              <a:t>Conclusions</a:t>
-            </a:r>
+              <a:rPr lang="it-IT" sz="3400" b="1" dirty="0" smtClean="0">
+                <a:solidFill>
+                  <a:srgbClr val="000000"/>
+                </a:solidFill>
+                <a:latin typeface="Avenir LT Std 35 Light" panose="020B0402020203020204" pitchFamily="34" charset="0"/>
+              </a:rPr>
+              <a:t>Candidate </a:t>
+            </a:r>
+            <a:r>
+              <a:rPr lang="it-IT" sz="3400" b="1" dirty="0" err="1" smtClean="0">
+                <a:solidFill>
+                  <a:srgbClr val="000000"/>
+                </a:solidFill>
+                <a:latin typeface="Avenir LT Std 35 Light" panose="020B0402020203020204" pitchFamily="34" charset="0"/>
+              </a:rPr>
+              <a:t>addition</a:t>
+            </a:r>
+            <a:endParaRPr lang="it-IT" sz="3400" b="1" dirty="0">
+              <a:solidFill>
+                <a:srgbClr val="000000"/>
+              </a:solidFill>
+              <a:latin typeface="Avenir LT Std 35 Light" panose="020B0402020203020204" pitchFamily="34" charset="0"/>
+            </a:endParaRPr>
           </a:p>
         </p:txBody>
       </p:sp>
@@ -7481,7 +7262,7 @@
         <p:spPr>
           <a:xfrm>
             <a:off x="1024576" y="1407651"/>
-            <a:ext cx="10515600" cy="5176030"/>
+            <a:ext cx="10515600" cy="1322486"/>
           </a:xfrm>
         </p:spPr>
         <p:txBody>
@@ -7494,19 +7275,32 @@
               <a:buNone/>
             </a:pPr>
             <a:r>
-              <a:rPr lang="en-US" dirty="0">
-                <a:solidFill>
-                  <a:srgbClr val="000000"/>
-                </a:solidFill>
-                <a:latin typeface="Avenir LT Std 35 Light" panose="020B0402020203020204" pitchFamily="34" charset="0"/>
-              </a:rPr>
-              <a:t>Our software has the goal to help the company with the hiring process.</a:t>
-            </a:r>
-          </a:p>
-          <a:p>
-            <a:pPr marL="0" indent="0" algn="just">
-              <a:buNone/>
-            </a:pPr>
+              <a:rPr lang="it-IT" dirty="0">
+                <a:solidFill>
+                  <a:srgbClr val="000000"/>
+                </a:solidFill>
+                <a:latin typeface="Avenir LT Std 35 Light" panose="020B0402020203020204" pitchFamily="34" charset="0"/>
+              </a:rPr>
+              <a:t>This button lets </a:t>
+            </a:r>
+            <a:r>
+              <a:rPr lang="it-IT" dirty="0" err="1">
+                <a:solidFill>
+                  <a:srgbClr val="000000"/>
+                </a:solidFill>
+                <a:latin typeface="Avenir LT Std 35 Light" panose="020B0402020203020204" pitchFamily="34" charset="0"/>
+              </a:rPr>
+              <a:t>you</a:t>
+            </a:r>
+            <a:r>
+              <a:rPr lang="it-IT" dirty="0">
+                <a:solidFill>
+                  <a:srgbClr val="000000"/>
+                </a:solidFill>
+                <a:latin typeface="Avenir LT Std 35 Light" panose="020B0402020203020204" pitchFamily="34" charset="0"/>
+              </a:rPr>
+              <a:t> </a:t>
+            </a:r>
             <a:r>
               <a:rPr lang="it-IT" dirty="0" err="1" smtClean="0">
                 <a:solidFill>
@@ -7514,7 +7308,7 @@
                 </a:solidFill>
                 <a:latin typeface="Avenir LT Std 35 Light" panose="020B0402020203020204" pitchFamily="34" charset="0"/>
               </a:rPr>
-              <a:t>Coming</a:t>
+              <a:t>add</a:t>
             </a:r>
             <a:r>
               <a:rPr lang="it-IT" dirty="0" smtClean="0">
@@ -7523,6 +7317,42 @@
                 </a:solidFill>
                 <a:latin typeface="Avenir LT Std 35 Light" panose="020B0402020203020204" pitchFamily="34" charset="0"/>
               </a:rPr>
+              <a:t> a new candidate. The </a:t>
+            </a:r>
+            <a:r>
+              <a:rPr lang="it-IT" dirty="0" err="1" smtClean="0">
+                <a:solidFill>
+                  <a:srgbClr val="000000"/>
+                </a:solidFill>
+                <a:latin typeface="Avenir LT Std 35 Light" panose="020B0402020203020204" pitchFamily="34" charset="0"/>
+              </a:rPr>
+              <a:t>textfields</a:t>
+            </a:r>
+            <a:r>
+              <a:rPr lang="it-IT" dirty="0" smtClean="0">
+                <a:solidFill>
+                  <a:srgbClr val="000000"/>
+                </a:solidFill>
+                <a:latin typeface="Avenir LT Std 35 Light" panose="020B0402020203020204" pitchFamily="34" charset="0"/>
+              </a:rPr>
+              <a:t> are </a:t>
+            </a:r>
+            <a:r>
+              <a:rPr lang="it-IT" dirty="0" err="1" smtClean="0">
+                <a:solidFill>
+                  <a:srgbClr val="000000"/>
+                </a:solidFill>
+                <a:latin typeface="Avenir LT Std 35 Light" panose="020B0402020203020204" pitchFamily="34" charset="0"/>
+              </a:rPr>
+              <a:t>red</a:t>
+            </a:r>
+            <a:r>
+              <a:rPr lang="it-IT" dirty="0" smtClean="0">
+                <a:solidFill>
+                  <a:srgbClr val="000000"/>
+                </a:solidFill>
+                <a:latin typeface="Avenir LT Std 35 Light" panose="020B0402020203020204" pitchFamily="34" charset="0"/>
+              </a:rPr>
               <a:t> </a:t>
             </a:r>
             <a:r>
@@ -7532,7 +7362,7 @@
                 </a:solidFill>
                 <a:latin typeface="Avenir LT Std 35 Light" panose="020B0402020203020204" pitchFamily="34" charset="0"/>
               </a:rPr>
-              <a:t>features</a:t>
+              <a:t>when</a:t>
             </a:r>
             <a:r>
               <a:rPr lang="it-IT" dirty="0" smtClean="0">
@@ -7541,7 +7371,241 @@
                 </a:solidFill>
                 <a:latin typeface="Avenir LT Std 35 Light" panose="020B0402020203020204" pitchFamily="34" charset="0"/>
               </a:rPr>
-              <a:t>:</a:t>
+              <a:t> </a:t>
+            </a:r>
+            <a:r>
+              <a:rPr lang="it-IT" dirty="0" err="1" smtClean="0">
+                <a:solidFill>
+                  <a:srgbClr val="000000"/>
+                </a:solidFill>
+                <a:latin typeface="Avenir LT Std 35 Light" panose="020B0402020203020204" pitchFamily="34" charset="0"/>
+              </a:rPr>
+              <a:t>there</a:t>
+            </a:r>
+            <a:r>
+              <a:rPr lang="it-IT" dirty="0" smtClean="0">
+                <a:solidFill>
+                  <a:srgbClr val="000000"/>
+                </a:solidFill>
+                <a:latin typeface="Avenir LT Std 35 Light" panose="020B0402020203020204" pitchFamily="34" charset="0"/>
+              </a:rPr>
+              <a:t> </a:t>
+            </a:r>
+            <a:r>
+              <a:rPr lang="it-IT" dirty="0" err="1" smtClean="0">
+                <a:solidFill>
+                  <a:srgbClr val="000000"/>
+                </a:solidFill>
+                <a:latin typeface="Avenir LT Std 35 Light" panose="020B0402020203020204" pitchFamily="34" charset="0"/>
+              </a:rPr>
+              <a:t>is</a:t>
+            </a:r>
+            <a:r>
+              <a:rPr lang="it-IT" dirty="0" smtClean="0">
+                <a:solidFill>
+                  <a:srgbClr val="000000"/>
+                </a:solidFill>
+                <a:latin typeface="Avenir LT Std 35 Light" panose="020B0402020203020204" pitchFamily="34" charset="0"/>
+              </a:rPr>
+              <a:t> </a:t>
+            </a:r>
+            <a:r>
+              <a:rPr lang="it-IT" dirty="0" err="1" smtClean="0">
+                <a:solidFill>
+                  <a:srgbClr val="000000"/>
+                </a:solidFill>
+                <a:latin typeface="Avenir LT Std 35 Light" panose="020B0402020203020204" pitchFamily="34" charset="0"/>
+              </a:rPr>
+              <a:t>something</a:t>
+            </a:r>
+            <a:r>
+              <a:rPr lang="it-IT" dirty="0" smtClean="0">
+                <a:solidFill>
+                  <a:srgbClr val="000000"/>
+                </a:solidFill>
+                <a:latin typeface="Avenir LT Std 35 Light" panose="020B0402020203020204" pitchFamily="34" charset="0"/>
+              </a:rPr>
+              <a:t> </a:t>
+            </a:r>
+            <a:r>
+              <a:rPr lang="it-IT" dirty="0" err="1" smtClean="0">
+                <a:solidFill>
+                  <a:srgbClr val="000000"/>
+                </a:solidFill>
+                <a:latin typeface="Avenir LT Std 35 Light" panose="020B0402020203020204" pitchFamily="34" charset="0"/>
+              </a:rPr>
+              <a:t>wrong</a:t>
+            </a:r>
+            <a:r>
+              <a:rPr lang="it-IT" dirty="0" smtClean="0">
+                <a:solidFill>
+                  <a:srgbClr val="000000"/>
+                </a:solidFill>
+                <a:latin typeface="Avenir LT Std 35 Light" panose="020B0402020203020204" pitchFamily="34" charset="0"/>
+              </a:rPr>
+              <a:t>. </a:t>
+            </a:r>
+            <a:r>
+              <a:rPr lang="it-IT" dirty="0" err="1" smtClean="0">
+                <a:solidFill>
+                  <a:srgbClr val="000000"/>
+                </a:solidFill>
+                <a:latin typeface="Avenir LT Std 35 Light" panose="020B0402020203020204" pitchFamily="34" charset="0"/>
+              </a:rPr>
+              <a:t>Otherwise</a:t>
+            </a:r>
+            <a:r>
+              <a:rPr lang="it-IT" dirty="0" smtClean="0">
+                <a:solidFill>
+                  <a:srgbClr val="000000"/>
+                </a:solidFill>
+                <a:latin typeface="Avenir LT Std 35 Light" panose="020B0402020203020204" pitchFamily="34" charset="0"/>
+              </a:rPr>
+              <a:t>, </a:t>
+            </a:r>
+            <a:r>
+              <a:rPr lang="it-IT" dirty="0" err="1" smtClean="0">
+                <a:solidFill>
+                  <a:srgbClr val="000000"/>
+                </a:solidFill>
+                <a:latin typeface="Avenir LT Std 35 Light" panose="020B0402020203020204" pitchFamily="34" charset="0"/>
+              </a:rPr>
+              <a:t>they</a:t>
+            </a:r>
+            <a:r>
+              <a:rPr lang="it-IT" dirty="0" smtClean="0">
+                <a:solidFill>
+                  <a:srgbClr val="000000"/>
+                </a:solidFill>
+                <a:latin typeface="Avenir LT Std 35 Light" panose="020B0402020203020204" pitchFamily="34" charset="0"/>
+              </a:rPr>
+              <a:t> </a:t>
+            </a:r>
+            <a:r>
+              <a:rPr lang="it-IT" dirty="0" err="1" smtClean="0">
+                <a:solidFill>
+                  <a:srgbClr val="000000"/>
+                </a:solidFill>
+                <a:latin typeface="Avenir LT Std 35 Light" panose="020B0402020203020204" pitchFamily="34" charset="0"/>
+              </a:rPr>
+              <a:t>will</a:t>
+            </a:r>
+            <a:r>
+              <a:rPr lang="it-IT" dirty="0" smtClean="0">
+                <a:solidFill>
+                  <a:srgbClr val="000000"/>
+                </a:solidFill>
+                <a:latin typeface="Avenir LT Std 35 Light" panose="020B0402020203020204" pitchFamily="34" charset="0"/>
+              </a:rPr>
+              <a:t> be green. </a:t>
+            </a:r>
+            <a:r>
+              <a:rPr lang="it-IT" dirty="0" err="1" smtClean="0">
+                <a:solidFill>
+                  <a:srgbClr val="000000"/>
+                </a:solidFill>
+                <a:latin typeface="Avenir LT Std 35 Light" panose="020B0402020203020204" pitchFamily="34" charset="0"/>
+              </a:rPr>
+              <a:t>You</a:t>
+            </a:r>
+            <a:r>
+              <a:rPr lang="it-IT" dirty="0" smtClean="0">
+                <a:solidFill>
+                  <a:srgbClr val="000000"/>
+                </a:solidFill>
+                <a:latin typeface="Avenir LT Std 35 Light" panose="020B0402020203020204" pitchFamily="34" charset="0"/>
+              </a:rPr>
+              <a:t> can </a:t>
+            </a:r>
+            <a:r>
+              <a:rPr lang="it-IT" dirty="0" err="1" smtClean="0">
+                <a:solidFill>
+                  <a:srgbClr val="000000"/>
+                </a:solidFill>
+                <a:latin typeface="Avenir LT Std 35 Light" panose="020B0402020203020204" pitchFamily="34" charset="0"/>
+              </a:rPr>
+              <a:t>submit</a:t>
+            </a:r>
+            <a:r>
+              <a:rPr lang="it-IT" dirty="0" smtClean="0">
+                <a:solidFill>
+                  <a:srgbClr val="000000"/>
+                </a:solidFill>
+                <a:latin typeface="Avenir LT Std 35 Light" panose="020B0402020203020204" pitchFamily="34" charset="0"/>
+              </a:rPr>
+              <a:t> a candidate </a:t>
+            </a:r>
+            <a:r>
+              <a:rPr lang="it-IT" dirty="0" err="1" smtClean="0">
+                <a:solidFill>
+                  <a:srgbClr val="000000"/>
+                </a:solidFill>
+                <a:latin typeface="Avenir LT Std 35 Light" panose="020B0402020203020204" pitchFamily="34" charset="0"/>
+              </a:rPr>
+              <a:t>only</a:t>
+            </a:r>
+            <a:r>
+              <a:rPr lang="it-IT" dirty="0" smtClean="0">
+                <a:solidFill>
+                  <a:srgbClr val="000000"/>
+                </a:solidFill>
+                <a:latin typeface="Avenir LT Std 35 Light" panose="020B0402020203020204" pitchFamily="34" charset="0"/>
+              </a:rPr>
+              <a:t> </a:t>
+            </a:r>
+            <a:r>
+              <a:rPr lang="it-IT" dirty="0" err="1" smtClean="0">
+                <a:solidFill>
+                  <a:srgbClr val="000000"/>
+                </a:solidFill>
+                <a:latin typeface="Avenir LT Std 35 Light" panose="020B0402020203020204" pitchFamily="34" charset="0"/>
+              </a:rPr>
+              <a:t>if</a:t>
+            </a:r>
+            <a:r>
+              <a:rPr lang="it-IT" dirty="0" smtClean="0">
+                <a:solidFill>
+                  <a:srgbClr val="000000"/>
+                </a:solidFill>
+                <a:latin typeface="Avenir LT Std 35 Light" panose="020B0402020203020204" pitchFamily="34" charset="0"/>
+              </a:rPr>
+              <a:t> </a:t>
+            </a:r>
+            <a:r>
+              <a:rPr lang="it-IT" dirty="0" err="1" smtClean="0">
+                <a:solidFill>
+                  <a:srgbClr val="000000"/>
+                </a:solidFill>
+                <a:latin typeface="Avenir LT Std 35 Light" panose="020B0402020203020204" pitchFamily="34" charset="0"/>
+              </a:rPr>
+              <a:t>all</a:t>
+            </a:r>
+            <a:r>
+              <a:rPr lang="it-IT" dirty="0" smtClean="0">
+                <a:solidFill>
+                  <a:srgbClr val="000000"/>
+                </a:solidFill>
+                <a:latin typeface="Avenir LT Std 35 Light" panose="020B0402020203020204" pitchFamily="34" charset="0"/>
+              </a:rPr>
+              <a:t> the </a:t>
+            </a:r>
+            <a:r>
+              <a:rPr lang="it-IT" dirty="0" err="1" smtClean="0">
+                <a:solidFill>
+                  <a:srgbClr val="000000"/>
+                </a:solidFill>
+                <a:latin typeface="Avenir LT Std 35 Light" panose="020B0402020203020204" pitchFamily="34" charset="0"/>
+              </a:rPr>
+              <a:t>textfields</a:t>
+            </a:r>
+            <a:r>
+              <a:rPr lang="it-IT" dirty="0" smtClean="0">
+                <a:solidFill>
+                  <a:srgbClr val="000000"/>
+                </a:solidFill>
+                <a:latin typeface="Avenir LT Std 35 Light" panose="020B0402020203020204" pitchFamily="34" charset="0"/>
+              </a:rPr>
+              <a:t> are green.</a:t>
             </a:r>
             <a:endParaRPr lang="it-IT" dirty="0">
               <a:solidFill>
@@ -7550,40 +7614,345 @@
               <a:latin typeface="Avenir LT Std 35 Light" panose="020B0402020203020204" pitchFamily="34" charset="0"/>
             </a:endParaRPr>
           </a:p>
+        </p:txBody>
+      </p:sp>
+      <p:pic>
+        <p:nvPicPr>
+          <p:cNvPr id="10" name="Immagine 9"/>
+          <p:cNvPicPr>
+            <a:picLocks noChangeAspect="1"/>
+          </p:cNvPicPr>
+          <p:nvPr/>
+        </p:nvPicPr>
+        <p:blipFill>
+          <a:blip r:embed="rId2" cstate="print">
+            <a:duotone>
+              <a:schemeClr val="accent1">
+                <a:shade val="45000"/>
+                <a:satMod val="135000"/>
+              </a:schemeClr>
+              <a:prstClr val="white"/>
+            </a:duotone>
+            <a:extLst>
+              <a:ext uri="{BEBA8EAE-BF5A-486C-A8C5-ECC9F3942E4B}">
+                <a14:imgProps xmlns:a14="http://schemas.microsoft.com/office/drawing/2010/main">
+                  <a14:imgLayer r:embed="rId3">
+                    <a14:imgEffect>
+                      <a14:brightnessContrast bright="-98000" contrast="-1000"/>
+                    </a14:imgEffect>
+                  </a14:imgLayer>
+                </a14:imgProps>
+              </a:ext>
+              <a:ext uri="{28A0092B-C50C-407E-A947-70E740481C1C}">
+                <a14:useLocalDpi xmlns:a14="http://schemas.microsoft.com/office/drawing/2010/main" val="0"/>
+              </a:ext>
+            </a:extLst>
+          </a:blip>
+          <a:stretch>
+            <a:fillRect/>
+          </a:stretch>
+        </p:blipFill>
+        <p:spPr>
+          <a:xfrm>
+            <a:off x="-1584" y="6357256"/>
+            <a:ext cx="500743" cy="500743"/>
+          </a:xfrm>
+          <a:prstGeom prst="rect">
+            <a:avLst/>
+          </a:prstGeom>
+          <a:noFill/>
+        </p:spPr>
+      </p:pic>
+      <p:pic>
+        <p:nvPicPr>
+          <p:cNvPr id="9" name="Immagine 8"/>
+          <p:cNvPicPr>
+            <a:picLocks noChangeAspect="1"/>
+          </p:cNvPicPr>
+          <p:nvPr/>
+        </p:nvPicPr>
+        <p:blipFill rotWithShape="1">
+          <a:blip r:embed="rId4"/>
+          <a:srcRect l="88284" t="20532" r="2479" b="74795"/>
+          <a:stretch/>
+        </p:blipFill>
+        <p:spPr>
+          <a:xfrm>
+            <a:off x="9531249" y="497682"/>
+            <a:ext cx="1920027" cy="546100"/>
+          </a:xfrm>
+          <a:prstGeom prst="rect">
+            <a:avLst/>
+          </a:prstGeom>
+        </p:spPr>
+      </p:pic>
+      <p:pic>
+        <p:nvPicPr>
+          <p:cNvPr id="4" name="Immagine 3"/>
+          <p:cNvPicPr>
+            <a:picLocks noChangeAspect="1"/>
+          </p:cNvPicPr>
+          <p:nvPr/>
+        </p:nvPicPr>
+        <p:blipFill rotWithShape="1">
+          <a:blip r:embed="rId5"/>
+          <a:srcRect t="8681" r="22670" b="9201"/>
+          <a:stretch/>
+        </p:blipFill>
+        <p:spPr>
+          <a:xfrm>
+            <a:off x="2681833" y="2346436"/>
+            <a:ext cx="7201085" cy="4299291"/>
+          </a:xfrm>
+          <a:prstGeom prst="rect">
+            <a:avLst/>
+          </a:prstGeom>
+        </p:spPr>
+      </p:pic>
+    </p:spTree>
+    <p:extLst>
+      <p:ext uri="{BB962C8B-B14F-4D97-AF65-F5344CB8AC3E}">
+        <p14:creationId xmlns:p14="http://schemas.microsoft.com/office/powerpoint/2010/main" val="3866797490"/>
+      </p:ext>
+    </p:extLst>
+  </p:cSld>
+  <p:clrMapOvr>
+    <a:masterClrMapping/>
+  </p:clrMapOvr>
+  <p:timing>
+    <p:tnLst>
+      <p:par>
+        <p:cTn id="1" dur="indefinite" restart="never" nodeType="tmRoot"/>
+      </p:par>
+    </p:tnLst>
+  </p:timing>
+</p:sld>
+</file>
+
+<file path=ppt/slides/slide12.xml><?xml version="1.0" encoding="utf-8"?>
+<p:sld xmlns:a="http://schemas.openxmlformats.org/drawingml/2006/main" xmlns:r="http://schemas.openxmlformats.org/officeDocument/2006/relationships" xmlns:p="http://schemas.openxmlformats.org/presentationml/2006/main">
+  <p:cSld>
+    <p:spTree>
+      <p:nvGrpSpPr>
+        <p:cNvPr id="1" name=""/>
+        <p:cNvGrpSpPr/>
+        <p:nvPr/>
+      </p:nvGrpSpPr>
+      <p:grpSpPr>
+        <a:xfrm>
+          <a:off x="0" y="0"/>
+          <a:ext cx="0" cy="0"/>
+          <a:chOff x="0" y="0"/>
+          <a:chExt cx="0" cy="0"/>
+        </a:xfrm>
+      </p:grpSpPr>
+      <p:sp>
+        <p:nvSpPr>
+          <p:cNvPr id="2" name="Titolo 1"/>
+          <p:cNvSpPr>
+            <a:spLocks noGrp="1"/>
+          </p:cNvSpPr>
+          <p:nvPr>
+            <p:ph type="title"/>
+          </p:nvPr>
+        </p:nvSpPr>
+        <p:spPr>
+          <a:xfrm>
+            <a:off x="1024576" y="497682"/>
+            <a:ext cx="11019378" cy="745218"/>
+          </a:xfrm>
+        </p:spPr>
+        <p:txBody>
+          <a:bodyPr>
+            <a:noAutofit/>
+          </a:bodyPr>
+          <a:lstStyle/>
+          <a:p>
+            <a:r>
+              <a:rPr lang="it-IT" sz="3400" b="1" dirty="0">
+                <a:solidFill>
+                  <a:srgbClr val="000000"/>
+                </a:solidFill>
+                <a:latin typeface="Avenir LT Std 35 Light" panose="020B0402020203020204" pitchFamily="34" charset="0"/>
+              </a:rPr>
+              <a:t>Conclusions</a:t>
+            </a:r>
+          </a:p>
+        </p:txBody>
+      </p:sp>
+      <p:sp>
+        <p:nvSpPr>
+          <p:cNvPr id="3" name="Segnaposto contenuto 2"/>
+          <p:cNvSpPr>
+            <a:spLocks noGrp="1"/>
+          </p:cNvSpPr>
+          <p:nvPr>
+            <p:ph idx="1"/>
+          </p:nvPr>
+        </p:nvSpPr>
+        <p:spPr>
+          <a:xfrm>
+            <a:off x="1024576" y="1407651"/>
+            <a:ext cx="10515600" cy="5176030"/>
+          </a:xfrm>
+        </p:spPr>
+        <p:txBody>
+          <a:bodyPr>
+            <a:normAutofit/>
+          </a:bodyPr>
+          <a:lstStyle/>
+          <a:p>
+            <a:pPr marL="0" indent="0" algn="just">
+              <a:buNone/>
+            </a:pPr>
+            <a:r>
+              <a:rPr lang="en-US" dirty="0">
+                <a:solidFill>
+                  <a:srgbClr val="000000"/>
+                </a:solidFill>
+                <a:latin typeface="Avenir LT Std 35 Light" panose="020B0402020203020204" pitchFamily="34" charset="0"/>
+              </a:rPr>
+              <a:t>Our software has the goal to help the company with the hiring process.</a:t>
+            </a:r>
+          </a:p>
+          <a:p>
+            <a:pPr marL="0" indent="0" algn="just">
+              <a:buNone/>
+            </a:pPr>
+            <a:r>
+              <a:rPr lang="it-IT" dirty="0" err="1" smtClean="0">
+                <a:solidFill>
+                  <a:srgbClr val="000000"/>
+                </a:solidFill>
+                <a:latin typeface="Avenir LT Std 35 Light" panose="020B0402020203020204" pitchFamily="34" charset="0"/>
+              </a:rPr>
+              <a:t>Coming</a:t>
+            </a:r>
+            <a:r>
+              <a:rPr lang="it-IT" dirty="0" smtClean="0">
+                <a:solidFill>
+                  <a:srgbClr val="000000"/>
+                </a:solidFill>
+                <a:latin typeface="Avenir LT Std 35 Light" panose="020B0402020203020204" pitchFamily="34" charset="0"/>
+              </a:rPr>
+              <a:t> </a:t>
+            </a:r>
+            <a:r>
+              <a:rPr lang="it-IT" dirty="0" err="1" smtClean="0">
+                <a:solidFill>
+                  <a:srgbClr val="000000"/>
+                </a:solidFill>
+                <a:latin typeface="Avenir LT Std 35 Light" panose="020B0402020203020204" pitchFamily="34" charset="0"/>
+              </a:rPr>
+              <a:t>features</a:t>
+            </a:r>
+            <a:r>
+              <a:rPr lang="it-IT" dirty="0" smtClean="0">
+                <a:solidFill>
+                  <a:srgbClr val="000000"/>
+                </a:solidFill>
+                <a:latin typeface="Avenir LT Std 35 Light" panose="020B0402020203020204" pitchFamily="34" charset="0"/>
+              </a:rPr>
+              <a:t>:</a:t>
+            </a:r>
+            <a:endParaRPr lang="it-IT" dirty="0">
+              <a:solidFill>
+                <a:srgbClr val="000000"/>
+              </a:solidFill>
+              <a:latin typeface="Avenir LT Std 35 Light" panose="020B0402020203020204" pitchFamily="34" charset="0"/>
+            </a:endParaRPr>
+          </a:p>
           <a:p>
             <a:pPr lvl="1" algn="just"/>
             <a:r>
+              <a:rPr lang="it-IT" dirty="0" smtClean="0">
+                <a:solidFill>
+                  <a:srgbClr val="000000"/>
+                </a:solidFill>
+                <a:latin typeface="Avenir LT Std 35 Light" panose="020B0402020203020204" pitchFamily="34" charset="0"/>
+              </a:rPr>
+              <a:t>A </a:t>
+            </a:r>
+            <a:r>
+              <a:rPr lang="it-IT" dirty="0" err="1" smtClean="0">
+                <a:solidFill>
+                  <a:srgbClr val="000000"/>
+                </a:solidFill>
+                <a:latin typeface="Avenir LT Std 35 Light" panose="020B0402020203020204" pitchFamily="34" charset="0"/>
+              </a:rPr>
+              <a:t>better</a:t>
+            </a:r>
+            <a:r>
+              <a:rPr lang="it-IT" dirty="0" smtClean="0">
+                <a:solidFill>
+                  <a:srgbClr val="000000"/>
+                </a:solidFill>
+                <a:latin typeface="Avenir LT Std 35 Light" panose="020B0402020203020204" pitchFamily="34" charset="0"/>
+              </a:rPr>
+              <a:t> </a:t>
+            </a:r>
+            <a:r>
+              <a:rPr lang="it-IT" dirty="0" err="1" smtClean="0">
+                <a:solidFill>
+                  <a:srgbClr val="000000"/>
+                </a:solidFill>
+                <a:latin typeface="Avenir LT Std 35 Light" panose="020B0402020203020204" pitchFamily="34" charset="0"/>
+              </a:rPr>
+              <a:t>user-friendly</a:t>
+            </a:r>
+            <a:r>
+              <a:rPr lang="it-IT" dirty="0" smtClean="0">
+                <a:solidFill>
+                  <a:srgbClr val="000000"/>
+                </a:solidFill>
+                <a:latin typeface="Avenir LT Std 35 Light" panose="020B0402020203020204" pitchFamily="34" charset="0"/>
+              </a:rPr>
+              <a:t> </a:t>
+            </a:r>
+            <a:r>
+              <a:rPr lang="it-IT" dirty="0" err="1" smtClean="0">
+                <a:solidFill>
+                  <a:srgbClr val="000000"/>
+                </a:solidFill>
+                <a:latin typeface="Avenir LT Std 35 Light" panose="020B0402020203020204" pitchFamily="34" charset="0"/>
+              </a:rPr>
+              <a:t>interface</a:t>
+            </a:r>
+            <a:r>
+              <a:rPr lang="it-IT" dirty="0" smtClean="0">
+                <a:solidFill>
+                  <a:srgbClr val="000000"/>
+                </a:solidFill>
+                <a:latin typeface="Avenir LT Std 35 Light" panose="020B0402020203020204" pitchFamily="34" charset="0"/>
+              </a:rPr>
+              <a:t>;</a:t>
+            </a:r>
+            <a:endParaRPr lang="it-IT" dirty="0">
+              <a:solidFill>
+                <a:srgbClr val="000000"/>
+              </a:solidFill>
+              <a:latin typeface="Avenir LT Std 35 Light" panose="020B0402020203020204" pitchFamily="34" charset="0"/>
+            </a:endParaRPr>
+          </a:p>
+          <a:p>
+            <a:pPr lvl="1" algn="just"/>
+            <a:r>
+              <a:rPr lang="it-IT" dirty="0" smtClean="0">
+                <a:solidFill>
+                  <a:srgbClr val="000000"/>
+                </a:solidFill>
+                <a:latin typeface="Avenir LT Std 35 Light" panose="020B0402020203020204" pitchFamily="34" charset="0"/>
+              </a:rPr>
+              <a:t>New </a:t>
+            </a:r>
+            <a:r>
               <a:rPr lang="it-IT" dirty="0">
                 <a:solidFill>
                   <a:srgbClr val="000000"/>
                 </a:solidFill>
                 <a:latin typeface="Avenir LT Std 35 Light" panose="020B0402020203020204" pitchFamily="34" charset="0"/>
               </a:rPr>
-              <a:t>Add, edit and remove a candidate;</a:t>
-            </a:r>
-          </a:p>
-          <a:p>
-            <a:pPr lvl="1" algn="just"/>
-            <a:r>
-              <a:rPr lang="it-IT" dirty="0">
-                <a:solidFill>
-                  <a:srgbClr val="000000"/>
-                </a:solidFill>
-                <a:latin typeface="Avenir LT Std 35 Light" panose="020B0402020203020204" pitchFamily="34" charset="0"/>
-              </a:rPr>
-              <a:t>Log-in system;</a:t>
-            </a:r>
-          </a:p>
-          <a:p>
-            <a:pPr lvl="1" algn="just"/>
-            <a:r>
-              <a:rPr lang="it-IT" dirty="0">
-                <a:solidFill>
-                  <a:srgbClr val="000000"/>
-                </a:solidFill>
-                <a:latin typeface="Avenir LT Std 35 Light" panose="020B0402020203020204" pitchFamily="34" charset="0"/>
-              </a:rPr>
-              <a:t>New filters.</a:t>
+              <a:t>filters.</a:t>
             </a:r>
           </a:p>
           <a:p>
@@ -7796,10 +8165,17 @@
   <p:clrMapOvr>
     <a:masterClrMapping/>
   </p:clrMapOvr>
+  <p:timing>
+    <p:tnLst>
+      <p:par>
+        <p:cTn id="1" dur="indefinite" restart="never" nodeType="tmRoot"/>
+      </p:par>
+    </p:tnLst>
+  </p:timing>
 </p:sld>
 </file>
 
-<file path=ppt/slides/slide12.xml><?xml version="1.0" encoding="utf-8"?>
+<file path=ppt/slides/slide13.xml><?xml version="1.0" encoding="utf-8"?>
 <p:sld xmlns:a="http://schemas.openxmlformats.org/drawingml/2006/main" xmlns:r="http://schemas.openxmlformats.org/officeDocument/2006/relationships" xmlns:p="http://schemas.openxmlformats.org/presentationml/2006/main">
   <p:cSld>
     <p:spTree>
@@ -8079,29 +8455,6 @@
       </p:sp>
       <p:pic>
         <p:nvPicPr>
-          <p:cNvPr id="7" name="Immagine 6"/>
-          <p:cNvPicPr>
-            <a:picLocks noChangeAspect="1"/>
-          </p:cNvPicPr>
-          <p:nvPr/>
-        </p:nvPicPr>
-        <p:blipFill rotWithShape="1">
-          <a:blip r:embed="rId2"/>
-          <a:srcRect t="17839" b="14560"/>
-          <a:stretch/>
-        </p:blipFill>
-        <p:spPr>
-          <a:xfrm>
-            <a:off x="1116016" y="2272937"/>
-            <a:ext cx="10522468" cy="3958046"/>
-          </a:xfrm>
-          <a:prstGeom prst="rect">
-            <a:avLst/>
-          </a:prstGeom>
-        </p:spPr>
-      </p:pic>
-      <p:pic>
-        <p:nvPicPr>
           <p:cNvPr id="5" name="Immagine 4"/>
           <p:cNvPicPr>
             <a:picLocks noChangeAspect="1"/>
@@ -8109,7 +8462,7 @@
           <p:nvPr/>
         </p:nvPicPr>
         <p:blipFill>
-          <a:blip r:embed="rId3" cstate="print">
+          <a:blip r:embed="rId2" cstate="print">
             <a:duotone>
               <a:schemeClr val="accent1">
                 <a:shade val="45000"/>
@@ -8120,7 +8473,7 @@
             <a:extLst>
               <a:ext uri="{BEBA8EAE-BF5A-486C-A8C5-ECC9F3942E4B}">
                 <a14:imgProps xmlns:a14="http://schemas.microsoft.com/office/drawing/2010/main">
-                  <a14:imgLayer r:embed="rId4">
+                  <a14:imgLayer r:embed="rId3">
                     <a14:imgEffect>
                       <a14:brightnessContrast bright="-98000" contrast="-1000"/>
                     </a14:imgEffect>
@@ -8147,6 +8500,67 @@
           <a:noFill/>
         </p:spPr>
       </p:pic>
+      <p:grpSp>
+        <p:nvGrpSpPr>
+          <p:cNvPr id="6" name="Gruppo 5"/>
+          <p:cNvGrpSpPr/>
+          <p:nvPr/>
+        </p:nvGrpSpPr>
+        <p:grpSpPr>
+          <a:xfrm>
+            <a:off x="1116016" y="2272937"/>
+            <a:ext cx="10522468" cy="3958046"/>
+            <a:chOff x="1116016" y="2272937"/>
+            <a:chExt cx="10522468" cy="3958046"/>
+          </a:xfrm>
+        </p:grpSpPr>
+        <p:pic>
+          <p:nvPicPr>
+            <p:cNvPr id="7" name="Immagine 6"/>
+            <p:cNvPicPr>
+              <a:picLocks noChangeAspect="1"/>
+            </p:cNvPicPr>
+            <p:nvPr/>
+          </p:nvPicPr>
+          <p:blipFill rotWithShape="1">
+            <a:blip r:embed="rId4"/>
+            <a:srcRect t="17839" b="14560"/>
+            <a:stretch/>
+          </p:blipFill>
+          <p:spPr>
+            <a:xfrm>
+              <a:off x="1116016" y="2272937"/>
+              <a:ext cx="10522468" cy="3958046"/>
+            </a:xfrm>
+            <a:prstGeom prst="rect">
+              <a:avLst/>
+            </a:prstGeom>
+          </p:spPr>
+        </p:pic>
+        <p:pic>
+          <p:nvPicPr>
+            <p:cNvPr id="4" name="Immagine 3"/>
+            <p:cNvPicPr>
+              <a:picLocks noChangeAspect="1"/>
+            </p:cNvPicPr>
+            <p:nvPr/>
+          </p:nvPicPr>
+          <p:blipFill rotWithShape="1">
+            <a:blip r:embed="rId5"/>
+            <a:srcRect l="88284" t="19375" r="2479" b="74375"/>
+            <a:stretch/>
+          </p:blipFill>
+          <p:spPr>
+            <a:xfrm>
+              <a:off x="10448898" y="2860085"/>
+              <a:ext cx="1015078" cy="386171"/>
+            </a:xfrm>
+            <a:prstGeom prst="rect">
+              <a:avLst/>
+            </a:prstGeom>
+          </p:spPr>
+        </p:pic>
+      </p:grpSp>
     </p:spTree>
     <p:extLst>
       <p:ext uri="{BB962C8B-B14F-4D97-AF65-F5344CB8AC3E}">
@@ -9015,6 +9429,29 @@
           <a:noFill/>
         </p:spPr>
       </p:pic>
+      <p:pic>
+        <p:nvPicPr>
+          <p:cNvPr id="7" name="Immagine 6"/>
+          <p:cNvPicPr>
+            <a:picLocks noChangeAspect="1"/>
+          </p:cNvPicPr>
+          <p:nvPr/>
+        </p:nvPicPr>
+        <p:blipFill rotWithShape="1">
+          <a:blip r:embed="rId5"/>
+          <a:srcRect l="88284" t="19375" r="2479" b="74375"/>
+          <a:stretch/>
+        </p:blipFill>
+        <p:spPr>
+          <a:xfrm>
+            <a:off x="10448898" y="2860085"/>
+            <a:ext cx="1015078" cy="386171"/>
+          </a:xfrm>
+          <a:prstGeom prst="rect">
+            <a:avLst/>
+          </a:prstGeom>
+        </p:spPr>
+      </p:pic>
     </p:spTree>
     <p:extLst>
       <p:ext uri="{BB962C8B-B14F-4D97-AF65-F5344CB8AC3E}">
@@ -9275,6 +9712,29 @@
           <a:noFill/>
         </p:spPr>
       </p:pic>
+      <p:pic>
+        <p:nvPicPr>
+          <p:cNvPr id="7" name="Immagine 6"/>
+          <p:cNvPicPr>
+            <a:picLocks noChangeAspect="1"/>
+          </p:cNvPicPr>
+          <p:nvPr/>
+        </p:nvPicPr>
+        <p:blipFill rotWithShape="1">
+          <a:blip r:embed="rId5"/>
+          <a:srcRect l="88284" t="19375" r="2479" b="74375"/>
+          <a:stretch/>
+        </p:blipFill>
+        <p:spPr>
+          <a:xfrm>
+            <a:off x="10690198" y="2894888"/>
+            <a:ext cx="1015078" cy="386171"/>
+          </a:xfrm>
+          <a:prstGeom prst="rect">
+            <a:avLst/>
+          </a:prstGeom>
+        </p:spPr>
+      </p:pic>
     </p:spTree>
     <p:extLst>
       <p:ext uri="{BB962C8B-B14F-4D97-AF65-F5344CB8AC3E}">
@@ -9603,264 +10063,6 @@
           </a:p>
         </p:txBody>
       </p:sp>
-      <p:sp>
-        <p:nvSpPr>
-          <p:cNvPr id="6" name="Segnaposto contenuto 2"/>
-          <p:cNvSpPr txBox="1">
-            <a:spLocks/>
-          </p:cNvSpPr>
-          <p:nvPr/>
-        </p:nvSpPr>
-        <p:spPr>
-          <a:xfrm>
-            <a:off x="9679577" y="6486123"/>
-            <a:ext cx="2502951" cy="361406"/>
-          </a:xfrm>
-          <a:prstGeom prst="rect">
-            <a:avLst/>
-          </a:prstGeom>
-        </p:spPr>
-        <p:txBody>
-          <a:bodyPr vert="horz" lIns="91440" tIns="45720" rIns="91440" bIns="45720" rtlCol="0">
-            <a:noAutofit/>
-          </a:bodyPr>
-          <a:lstStyle>
-            <a:lvl1pPr marL="228600" indent="-228600" algn="l" defTabSz="914400" rtl="0" eaLnBrk="1" latinLnBrk="0" hangingPunct="1">
-              <a:lnSpc>
-                <a:spcPct val="90000"/>
-              </a:lnSpc>
-              <a:spcBef>
-                <a:spcPts val="1000"/>
-              </a:spcBef>
-              <a:buFont typeface="Arial" panose="020B0604020202020204" pitchFamily="34" charset="0"/>
-              <a:buChar char="•"/>
-              <a:defRPr sz="2800" kern="1200">
-                <a:solidFill>
-                  <a:schemeClr val="tx1"/>
-                </a:solidFill>
-                <a:latin typeface="+mn-lt"/>
-                <a:ea typeface="+mn-ea"/>
-                <a:cs typeface="+mn-cs"/>
-              </a:defRPr>
-            </a:lvl1pPr>
-            <a:lvl2pPr marL="685800" indent="-228600" algn="l" defTabSz="914400" rtl="0" eaLnBrk="1" latinLnBrk="0" hangingPunct="1">
-              <a:lnSpc>
-                <a:spcPct val="90000"/>
-              </a:lnSpc>
-              <a:spcBef>
-                <a:spcPts val="500"/>
-              </a:spcBef>
-              <a:buFont typeface="Arial" panose="020B0604020202020204" pitchFamily="34" charset="0"/>
-              <a:buChar char="•"/>
-              <a:defRPr sz="2400" kern="1200">
-                <a:solidFill>
-                  <a:schemeClr val="tx1"/>
-                </a:solidFill>
-                <a:latin typeface="+mn-lt"/>
-                <a:ea typeface="+mn-ea"/>
-                <a:cs typeface="+mn-cs"/>
-              </a:defRPr>
-            </a:lvl2pPr>
-            <a:lvl3pPr marL="1143000" indent="-228600" algn="l" defTabSz="914400" rtl="0" eaLnBrk="1" latinLnBrk="0" hangingPunct="1">
-              <a:lnSpc>
-                <a:spcPct val="90000"/>
-              </a:lnSpc>
-              <a:spcBef>
-                <a:spcPts val="500"/>
-              </a:spcBef>
-              <a:buFont typeface="Arial" panose="020B0604020202020204" pitchFamily="34" charset="0"/>
-              <a:buChar char="•"/>
-              <a:defRPr sz="2000" kern="1200">
-                <a:solidFill>
-                  <a:schemeClr val="tx1"/>
-                </a:solidFill>
-                <a:latin typeface="+mn-lt"/>
-                <a:ea typeface="+mn-ea"/>
-                <a:cs typeface="+mn-cs"/>
-              </a:defRPr>
-            </a:lvl3pPr>
-            <a:lvl4pPr marL="1600200" indent="-228600" algn="l" defTabSz="914400" rtl="0" eaLnBrk="1" latinLnBrk="0" hangingPunct="1">
-              <a:lnSpc>
-                <a:spcPct val="90000"/>
-              </a:lnSpc>
-              <a:spcBef>
-                <a:spcPts val="500"/>
-              </a:spcBef>
-              <a:buFont typeface="Arial" panose="020B0604020202020204" pitchFamily="34" charset="0"/>
-              <a:buChar char="•"/>
-              <a:defRPr sz="1800" kern="1200">
-                <a:solidFill>
-                  <a:schemeClr val="tx1"/>
-                </a:solidFill>
-                <a:latin typeface="+mn-lt"/>
-                <a:ea typeface="+mn-ea"/>
-                <a:cs typeface="+mn-cs"/>
-              </a:defRPr>
-            </a:lvl4pPr>
-            <a:lvl5pPr marL="2057400" indent="-228600" algn="l" defTabSz="914400" rtl="0" eaLnBrk="1" latinLnBrk="0" hangingPunct="1">
-              <a:lnSpc>
-                <a:spcPct val="90000"/>
-              </a:lnSpc>
-              <a:spcBef>
-                <a:spcPts val="500"/>
-              </a:spcBef>
-              <a:buFont typeface="Arial" panose="020B0604020202020204" pitchFamily="34" charset="0"/>
-              <a:buChar char="•"/>
-              <a:defRPr sz="1800" kern="1200">
-                <a:solidFill>
-                  <a:schemeClr val="tx1"/>
-                </a:solidFill>
-                <a:latin typeface="+mn-lt"/>
-                <a:ea typeface="+mn-ea"/>
-                <a:cs typeface="+mn-cs"/>
-              </a:defRPr>
-            </a:lvl5pPr>
-            <a:lvl6pPr marL="2514600" indent="-228600" algn="l" defTabSz="914400" rtl="0" eaLnBrk="1" latinLnBrk="0" hangingPunct="1">
-              <a:lnSpc>
-                <a:spcPct val="90000"/>
-              </a:lnSpc>
-              <a:spcBef>
-                <a:spcPts val="500"/>
-              </a:spcBef>
-              <a:buFont typeface="Arial" panose="020B0604020202020204" pitchFamily="34" charset="0"/>
-              <a:buChar char="•"/>
-              <a:defRPr sz="1800" kern="1200">
-                <a:solidFill>
-                  <a:schemeClr val="tx1"/>
-                </a:solidFill>
-                <a:latin typeface="+mn-lt"/>
-                <a:ea typeface="+mn-ea"/>
-                <a:cs typeface="+mn-cs"/>
-              </a:defRPr>
-            </a:lvl6pPr>
-            <a:lvl7pPr marL="2971800" indent="-228600" algn="l" defTabSz="914400" rtl="0" eaLnBrk="1" latinLnBrk="0" hangingPunct="1">
-              <a:lnSpc>
-                <a:spcPct val="90000"/>
-              </a:lnSpc>
-              <a:spcBef>
-                <a:spcPts val="500"/>
-              </a:spcBef>
-              <a:buFont typeface="Arial" panose="020B0604020202020204" pitchFamily="34" charset="0"/>
-              <a:buChar char="•"/>
-              <a:defRPr sz="1800" kern="1200">
-                <a:solidFill>
-                  <a:schemeClr val="tx1"/>
-                </a:solidFill>
-                <a:latin typeface="+mn-lt"/>
-                <a:ea typeface="+mn-ea"/>
-                <a:cs typeface="+mn-cs"/>
-              </a:defRPr>
-            </a:lvl7pPr>
-            <a:lvl8pPr marL="3429000" indent="-228600" algn="l" defTabSz="914400" rtl="0" eaLnBrk="1" latinLnBrk="0" hangingPunct="1">
-              <a:lnSpc>
-                <a:spcPct val="90000"/>
-              </a:lnSpc>
-              <a:spcBef>
-                <a:spcPts val="500"/>
-              </a:spcBef>
-              <a:buFont typeface="Arial" panose="020B0604020202020204" pitchFamily="34" charset="0"/>
-              <a:buChar char="•"/>
-              <a:defRPr sz="1800" kern="1200">
-                <a:solidFill>
-                  <a:schemeClr val="tx1"/>
-                </a:solidFill>
-                <a:latin typeface="+mn-lt"/>
-                <a:ea typeface="+mn-ea"/>
-                <a:cs typeface="+mn-cs"/>
-              </a:defRPr>
-            </a:lvl8pPr>
-            <a:lvl9pPr marL="3886200" indent="-228600" algn="l" defTabSz="914400" rtl="0" eaLnBrk="1" latinLnBrk="0" hangingPunct="1">
-              <a:lnSpc>
-                <a:spcPct val="90000"/>
-              </a:lnSpc>
-              <a:spcBef>
-                <a:spcPts val="500"/>
-              </a:spcBef>
-              <a:buFont typeface="Arial" panose="020B0604020202020204" pitchFamily="34" charset="0"/>
-              <a:buChar char="•"/>
-              <a:defRPr sz="1800" kern="1200">
-                <a:solidFill>
-                  <a:schemeClr val="tx1"/>
-                </a:solidFill>
-                <a:latin typeface="+mn-lt"/>
-                <a:ea typeface="+mn-ea"/>
-                <a:cs typeface="+mn-cs"/>
-              </a:defRPr>
-            </a:lvl9pPr>
-          </a:lstStyle>
-          <a:p>
-            <a:pPr marL="0" indent="0" algn="just">
-              <a:buFont typeface="Arial" panose="020B0604020202020204" pitchFamily="34" charset="0"/>
-              <a:buNone/>
-            </a:pPr>
-            <a:r>
-              <a:rPr lang="it-IT" sz="1600" b="1" dirty="0" smtClean="0">
-                <a:solidFill>
-                  <a:srgbClr val="000000"/>
-                </a:solidFill>
-                <a:latin typeface="Avenir LT Std 35 Light" panose="020B0402020203020204" pitchFamily="34" charset="0"/>
-              </a:rPr>
-              <a:t>In </a:t>
-            </a:r>
-            <a:r>
-              <a:rPr lang="it-IT" sz="1600" b="1" dirty="0" err="1" smtClean="0">
-                <a:solidFill>
-                  <a:srgbClr val="000000"/>
-                </a:solidFill>
-                <a:latin typeface="Avenir LT Std 35 Light" panose="020B0402020203020204" pitchFamily="34" charset="0"/>
-              </a:rPr>
-              <a:t>phase</a:t>
-            </a:r>
-            <a:r>
-              <a:rPr lang="it-IT" sz="1600" b="1" dirty="0" smtClean="0">
-                <a:solidFill>
-                  <a:srgbClr val="000000"/>
-                </a:solidFill>
-                <a:latin typeface="Avenir LT Std 35 Light" panose="020B0402020203020204" pitchFamily="34" charset="0"/>
-              </a:rPr>
-              <a:t> of </a:t>
-            </a:r>
-            <a:r>
-              <a:rPr lang="it-IT" sz="1600" b="1" dirty="0" err="1" smtClean="0">
-                <a:solidFill>
-                  <a:srgbClr val="000000"/>
-                </a:solidFill>
-                <a:latin typeface="Avenir LT Std 35 Light" panose="020B0402020203020204" pitchFamily="34" charset="0"/>
-              </a:rPr>
-              <a:t>modification</a:t>
-            </a:r>
-            <a:endParaRPr lang="it-IT" sz="1600" b="1" dirty="0">
-              <a:solidFill>
-                <a:srgbClr val="000000"/>
-              </a:solidFill>
-              <a:latin typeface="Avenir LT Std 35 Light" panose="020B0402020203020204" pitchFamily="34" charset="0"/>
-            </a:endParaRPr>
-          </a:p>
-        </p:txBody>
-      </p:sp>
-      <p:pic>
-        <p:nvPicPr>
-          <p:cNvPr id="7" name="Immagine 6"/>
-          <p:cNvPicPr>
-            <a:picLocks noChangeAspect="1"/>
-          </p:cNvPicPr>
-          <p:nvPr/>
-        </p:nvPicPr>
-        <p:blipFill rotWithShape="1">
-          <a:blip r:embed="rId2"/>
-          <a:srcRect l="23618" t="29791" r="54780" b="39773"/>
-          <a:stretch/>
-        </p:blipFill>
-        <p:spPr>
-          <a:xfrm>
-            <a:off x="4264956" y="2510085"/>
-            <a:ext cx="4538617" cy="3595198"/>
-          </a:xfrm>
-          <a:prstGeom prst="rect">
-            <a:avLst/>
-          </a:prstGeom>
-        </p:spPr>
-      </p:pic>
       <p:pic>
         <p:nvPicPr>
           <p:cNvPr id="8" name="Immagine 7"/>
@@ -9870,7 +10072,7 @@
           <p:nvPr/>
         </p:nvPicPr>
         <p:blipFill>
-          <a:blip r:embed="rId3" cstate="print">
+          <a:blip r:embed="rId2" cstate="print">
             <a:duotone>
               <a:schemeClr val="accent1">
                 <a:shade val="45000"/>
@@ -9881,7 +10083,7 @@
             <a:extLst>
               <a:ext uri="{BEBA8EAE-BF5A-486C-A8C5-ECC9F3942E4B}">
                 <a14:imgProps xmlns:a14="http://schemas.microsoft.com/office/drawing/2010/main">
-                  <a14:imgLayer r:embed="rId4">
+                  <a14:imgLayer r:embed="rId3">
                     <a14:imgEffect>
                       <a14:brightnessContrast bright="-98000" contrast="-1000"/>
                     </a14:imgEffect>
@@ -9906,6 +10108,29 @@
             <a:avLst/>
           </a:prstGeom>
           <a:noFill/>
+        </p:spPr>
+      </p:pic>
+      <p:pic>
+        <p:nvPicPr>
+          <p:cNvPr id="4" name="Immagine 3"/>
+          <p:cNvPicPr>
+            <a:picLocks noChangeAspect="1"/>
+          </p:cNvPicPr>
+          <p:nvPr/>
+        </p:nvPicPr>
+        <p:blipFill rotWithShape="1">
+          <a:blip r:embed="rId4"/>
+          <a:srcRect l="23943" t="22768" r="57103" b="46339"/>
+          <a:stretch/>
+        </p:blipFill>
+        <p:spPr>
+          <a:xfrm>
+            <a:off x="4441371" y="2293997"/>
+            <a:ext cx="4164748" cy="3816422"/>
+          </a:xfrm>
+          <a:prstGeom prst="rect">
+            <a:avLst/>
+          </a:prstGeom>
         </p:spPr>
       </p:pic>
     </p:spTree>
@@ -10994,49 +11219,26 @@
           </a:effectLst>
         </p:spPr>
       </p:pic>
-      <p:pic>
-        <p:nvPicPr>
-          <p:cNvPr id="7" name="Immagine 6"/>
-          <p:cNvPicPr>
-            <a:picLocks noChangeAspect="1"/>
-          </p:cNvPicPr>
+      <p:sp>
+        <p:nvSpPr>
+          <p:cNvPr id="8" name="Segnaposto contenuto 2"/>
+          <p:cNvSpPr txBox="1">
+            <a:spLocks/>
+          </p:cNvSpPr>
           <p:nvPr/>
-        </p:nvPicPr>
-        <p:blipFill rotWithShape="1">
-          <a:blip r:embed="rId3"/>
-          <a:srcRect t="33876" b="26083"/>
-          <a:stretch/>
-        </p:blipFill>
+        </p:nvSpPr>
         <p:spPr>
           <a:xfrm>
-            <a:off x="1024576" y="2168434"/>
-            <a:ext cx="10758389" cy="2421891"/>
+            <a:off x="1024576" y="4779590"/>
+            <a:ext cx="10515600" cy="2230809"/>
           </a:xfrm>
           <a:prstGeom prst="rect">
             <a:avLst/>
           </a:prstGeom>
         </p:spPr>
-      </p:pic>
-      <p:sp>
-        <p:nvSpPr>
-          <p:cNvPr id="8" name="Segnaposto contenuto 2"/>
-          <p:cNvSpPr txBox="1">
-            <a:spLocks/>
-          </p:cNvSpPr>
-          <p:nvPr/>
-        </p:nvSpPr>
-        <p:spPr>
-          <a:xfrm>
-            <a:off x="1024576" y="4779591"/>
-            <a:ext cx="10515600" cy="1843278"/>
-          </a:xfrm>
-          <a:prstGeom prst="rect">
-            <a:avLst/>
-          </a:prstGeom>
-        </p:spPr>
         <p:txBody>
           <a:bodyPr vert="horz" lIns="91440" tIns="45720" rIns="91440" bIns="45720" rtlCol="0">
-            <a:normAutofit lnSpcReduction="10000"/>
+            <a:normAutofit/>
           </a:bodyPr>
           <a:lstStyle>
             <a:lvl1pPr marL="228600" indent="-228600" algn="l" defTabSz="914400" rtl="0" eaLnBrk="1" latinLnBrk="0" hangingPunct="1">
@@ -11214,55 +11416,493 @@
                 </a:solidFill>
                 <a:latin typeface="Avenir LT Std 35 Light" panose="020B0402020203020204" pitchFamily="34" charset="0"/>
               </a:rPr>
-              <a:t>The row expands and shows the following information:</a:t>
-            </a:r>
+              <a:t>The row expands and shows the </a:t>
+            </a:r>
+            <a:r>
+              <a:rPr lang="it-IT" sz="2000" dirty="0" err="1">
+                <a:solidFill>
+                  <a:srgbClr val="000000"/>
+                </a:solidFill>
+                <a:latin typeface="Avenir LT Std 35 Light" panose="020B0402020203020204" pitchFamily="34" charset="0"/>
+              </a:rPr>
+              <a:t>following</a:t>
+            </a:r>
+            <a:r>
+              <a:rPr lang="it-IT" sz="2000" dirty="0">
+                <a:solidFill>
+                  <a:srgbClr val="000000"/>
+                </a:solidFill>
+                <a:latin typeface="Avenir LT Std 35 Light" panose="020B0402020203020204" pitchFamily="34" charset="0"/>
+              </a:rPr>
+              <a:t> </a:t>
+            </a:r>
+            <a:r>
+              <a:rPr lang="it-IT" sz="2000" dirty="0" smtClean="0">
+                <a:solidFill>
+                  <a:srgbClr val="000000"/>
+                </a:solidFill>
+                <a:latin typeface="Avenir LT Std 35 Light" panose="020B0402020203020204" pitchFamily="34" charset="0"/>
+              </a:rPr>
+              <a:t>information (</a:t>
+            </a:r>
+            <a:r>
+              <a:rPr lang="it-IT" sz="2000" dirty="0" err="1" smtClean="0">
+                <a:solidFill>
+                  <a:srgbClr val="000000"/>
+                </a:solidFill>
+                <a:latin typeface="Avenir LT Std 35 Light" panose="020B0402020203020204" pitchFamily="34" charset="0"/>
+              </a:rPr>
+              <a:t>if</a:t>
+            </a:r>
+            <a:r>
+              <a:rPr lang="it-IT" sz="2000" dirty="0" smtClean="0">
+                <a:solidFill>
+                  <a:srgbClr val="000000"/>
+                </a:solidFill>
+                <a:latin typeface="Avenir LT Std 35 Light" panose="020B0402020203020204" pitchFamily="34" charset="0"/>
+              </a:rPr>
+              <a:t> </a:t>
+            </a:r>
+            <a:r>
+              <a:rPr lang="it-IT" sz="2000" dirty="0" err="1" smtClean="0">
+                <a:solidFill>
+                  <a:srgbClr val="000000"/>
+                </a:solidFill>
+                <a:latin typeface="Avenir LT Std 35 Light" panose="020B0402020203020204" pitchFamily="34" charset="0"/>
+              </a:rPr>
+              <a:t>inserted</a:t>
+            </a:r>
+            <a:r>
+              <a:rPr lang="it-IT" sz="2000" dirty="0" smtClean="0">
+                <a:solidFill>
+                  <a:srgbClr val="000000"/>
+                </a:solidFill>
+                <a:latin typeface="Avenir LT Std 35 Light" panose="020B0402020203020204" pitchFamily="34" charset="0"/>
+              </a:rPr>
+              <a:t>):</a:t>
+            </a:r>
+            <a:endParaRPr lang="it-IT" sz="2000" dirty="0">
+              <a:solidFill>
+                <a:srgbClr val="000000"/>
+              </a:solidFill>
+              <a:latin typeface="Avenir LT Std 35 Light" panose="020B0402020203020204" pitchFamily="34" charset="0"/>
+            </a:endParaRPr>
           </a:p>
           <a:p>
             <a:pPr algn="just"/>
             <a:r>
-              <a:rPr lang="it-IT" sz="2000" dirty="0">
-                <a:solidFill>
-                  <a:srgbClr val="000000"/>
-                </a:solidFill>
-                <a:latin typeface="Avenir LT Std 35 Light" panose="020B0402020203020204" pitchFamily="34" charset="0"/>
-              </a:rPr>
-              <a:t>Full name;</a:t>
+              <a:rPr lang="it-IT" sz="2000" dirty="0" smtClean="0">
+                <a:solidFill>
+                  <a:srgbClr val="000000"/>
+                </a:solidFill>
+                <a:latin typeface="Avenir LT Std 35 Light" panose="020B0402020203020204" pitchFamily="34" charset="0"/>
+              </a:rPr>
+              <a:t>Notes </a:t>
+            </a:r>
+            <a:r>
+              <a:rPr lang="it-IT" sz="2000" dirty="0" err="1" smtClean="0">
+                <a:solidFill>
+                  <a:srgbClr val="000000"/>
+                </a:solidFill>
+                <a:latin typeface="Avenir LT Std 35 Light" panose="020B0402020203020204" pitchFamily="34" charset="0"/>
+              </a:rPr>
+              <a:t>about</a:t>
+            </a:r>
+            <a:r>
+              <a:rPr lang="it-IT" sz="2000" dirty="0" smtClean="0">
+                <a:solidFill>
+                  <a:srgbClr val="000000"/>
+                </a:solidFill>
+                <a:latin typeface="Avenir LT Std 35 Light" panose="020B0402020203020204" pitchFamily="34" charset="0"/>
+              </a:rPr>
+              <a:t> the candidate;</a:t>
             </a:r>
           </a:p>
           <a:p>
             <a:pPr algn="just"/>
             <a:r>
-              <a:rPr lang="it-IT" sz="2000" dirty="0">
-                <a:solidFill>
-                  <a:srgbClr val="000000"/>
-                </a:solidFill>
-                <a:latin typeface="Avenir LT Std 35 Light" panose="020B0402020203020204" pitchFamily="34" charset="0"/>
-              </a:rPr>
-              <a:t>Birth date;</a:t>
-            </a:r>
-          </a:p>
-          <a:p>
-            <a:pPr algn="just"/>
-            <a:r>
-              <a:rPr lang="it-IT" sz="2000" dirty="0">
-                <a:solidFill>
-                  <a:srgbClr val="000000"/>
-                </a:solidFill>
-                <a:latin typeface="Avenir LT Std 35 Light" panose="020B0402020203020204" pitchFamily="34" charset="0"/>
-              </a:rPr>
-              <a:t>Whether he/her is employed or not;</a:t>
-            </a:r>
-          </a:p>
-          <a:p>
-            <a:pPr algn="just"/>
-            <a:r>
-              <a:rPr lang="it-IT" sz="2000" dirty="0">
-                <a:solidFill>
-                  <a:srgbClr val="000000"/>
-                </a:solidFill>
-                <a:latin typeface="Avenir LT Std 35 Light" panose="020B0402020203020204" pitchFamily="34" charset="0"/>
-              </a:rPr>
-              <a:t>Salary.</a:t>
+              <a:rPr lang="it-IT" sz="2000" dirty="0" err="1" smtClean="0">
+                <a:solidFill>
+                  <a:srgbClr val="000000"/>
+                </a:solidFill>
+                <a:latin typeface="Avenir LT Std 35 Light" panose="020B0402020203020204" pitchFamily="34" charset="0"/>
+              </a:rPr>
+              <a:t>All</a:t>
+            </a:r>
+            <a:r>
+              <a:rPr lang="it-IT" sz="2000" dirty="0" smtClean="0">
+                <a:solidFill>
+                  <a:srgbClr val="000000"/>
+                </a:solidFill>
+                <a:latin typeface="Avenir LT Std 35 Light" panose="020B0402020203020204" pitchFamily="34" charset="0"/>
+              </a:rPr>
+              <a:t> the </a:t>
+            </a:r>
+            <a:r>
+              <a:rPr lang="it-IT" sz="2000" dirty="0" err="1" smtClean="0">
+                <a:solidFill>
+                  <a:srgbClr val="000000"/>
+                </a:solidFill>
+                <a:latin typeface="Avenir LT Std 35 Light" panose="020B0402020203020204" pitchFamily="34" charset="0"/>
+              </a:rPr>
+              <a:t>contact</a:t>
+            </a:r>
+            <a:r>
+              <a:rPr lang="it-IT" sz="2000" dirty="0" smtClean="0">
+                <a:solidFill>
+                  <a:srgbClr val="000000"/>
+                </a:solidFill>
+                <a:latin typeface="Avenir LT Std 35 Light" panose="020B0402020203020204" pitchFamily="34" charset="0"/>
+              </a:rPr>
+              <a:t> </a:t>
+            </a:r>
+            <a:r>
+              <a:rPr lang="it-IT" sz="2000" dirty="0" err="1" smtClean="0">
+                <a:solidFill>
+                  <a:srgbClr val="000000"/>
+                </a:solidFill>
+                <a:latin typeface="Avenir LT Std 35 Light" panose="020B0402020203020204" pitchFamily="34" charset="0"/>
+              </a:rPr>
+              <a:t>links</a:t>
+            </a:r>
+            <a:r>
+              <a:rPr lang="it-IT" sz="2000" dirty="0" smtClean="0">
+                <a:solidFill>
+                  <a:srgbClr val="000000"/>
+                </a:solidFill>
+                <a:latin typeface="Avenir LT Std 35 Light" panose="020B0402020203020204" pitchFamily="34" charset="0"/>
+              </a:rPr>
+              <a:t> or </a:t>
+            </a:r>
+            <a:r>
+              <a:rPr lang="it-IT" sz="2000" dirty="0" err="1" smtClean="0">
+                <a:solidFill>
+                  <a:srgbClr val="000000"/>
+                </a:solidFill>
+                <a:latin typeface="Avenir LT Std 35 Light" panose="020B0402020203020204" pitchFamily="34" charset="0"/>
+              </a:rPr>
+              <a:t>mails</a:t>
+            </a:r>
+            <a:r>
+              <a:rPr lang="it-IT" sz="2000" dirty="0" smtClean="0">
+                <a:solidFill>
+                  <a:srgbClr val="000000"/>
+                </a:solidFill>
+                <a:latin typeface="Avenir LT Std 35 Light" panose="020B0402020203020204" pitchFamily="34" charset="0"/>
+              </a:rPr>
+              <a:t> </a:t>
+            </a:r>
+            <a:r>
+              <a:rPr lang="it-IT" sz="2000" dirty="0" err="1" smtClean="0">
+                <a:solidFill>
+                  <a:srgbClr val="000000"/>
+                </a:solidFill>
+                <a:latin typeface="Avenir LT Std 35 Light" panose="020B0402020203020204" pitchFamily="34" charset="0"/>
+              </a:rPr>
+              <a:t>which</a:t>
+            </a:r>
+            <a:r>
+              <a:rPr lang="it-IT" sz="2000" dirty="0" smtClean="0">
+                <a:solidFill>
+                  <a:srgbClr val="000000"/>
+                </a:solidFill>
+                <a:latin typeface="Avenir LT Std 35 Light" panose="020B0402020203020204" pitchFamily="34" charset="0"/>
+              </a:rPr>
+              <a:t> </a:t>
+            </a:r>
+            <a:r>
+              <a:rPr lang="it-IT" sz="2000" dirty="0" err="1" smtClean="0">
+                <a:solidFill>
+                  <a:srgbClr val="000000"/>
+                </a:solidFill>
+                <a:latin typeface="Avenir LT Std 35 Light" panose="020B0402020203020204" pitchFamily="34" charset="0"/>
+              </a:rPr>
+              <a:t>have</a:t>
+            </a:r>
+            <a:r>
+              <a:rPr lang="it-IT" sz="2000" dirty="0" smtClean="0">
+                <a:solidFill>
+                  <a:srgbClr val="000000"/>
+                </a:solidFill>
+                <a:latin typeface="Avenir LT Std 35 Light" panose="020B0402020203020204" pitchFamily="34" charset="0"/>
+              </a:rPr>
+              <a:t> </a:t>
+            </a:r>
+            <a:r>
+              <a:rPr lang="it-IT" sz="2000" dirty="0" err="1" smtClean="0">
+                <a:solidFill>
+                  <a:srgbClr val="000000"/>
+                </a:solidFill>
+                <a:latin typeface="Avenir LT Std 35 Light" panose="020B0402020203020204" pitchFamily="34" charset="0"/>
+              </a:rPr>
+              <a:t>been</a:t>
+            </a:r>
+            <a:r>
+              <a:rPr lang="it-IT" sz="2000" dirty="0" smtClean="0">
+                <a:solidFill>
+                  <a:srgbClr val="000000"/>
+                </a:solidFill>
+                <a:latin typeface="Avenir LT Std 35 Light" panose="020B0402020203020204" pitchFamily="34" charset="0"/>
+              </a:rPr>
+              <a:t> </a:t>
+            </a:r>
+            <a:r>
+              <a:rPr lang="it-IT" sz="2000" dirty="0" err="1" smtClean="0">
+                <a:solidFill>
+                  <a:srgbClr val="000000"/>
+                </a:solidFill>
+                <a:latin typeface="Avenir LT Std 35 Light" panose="020B0402020203020204" pitchFamily="34" charset="0"/>
+              </a:rPr>
+              <a:t>registered</a:t>
+            </a:r>
+            <a:r>
+              <a:rPr lang="it-IT" sz="2000" dirty="0" smtClean="0">
+                <a:solidFill>
+                  <a:srgbClr val="000000"/>
+                </a:solidFill>
+                <a:latin typeface="Avenir LT Std 35 Light" panose="020B0402020203020204" pitchFamily="34" charset="0"/>
+              </a:rPr>
+              <a:t>.</a:t>
+            </a:r>
+          </a:p>
+          <a:p>
+            <a:pPr lvl="1" algn="just"/>
+            <a:r>
+              <a:rPr lang="it-IT" sz="1800" dirty="0" err="1" smtClean="0">
+                <a:solidFill>
+                  <a:srgbClr val="000000"/>
+                </a:solidFill>
+                <a:latin typeface="Avenir LT Std 35 Light" panose="020B0402020203020204" pitchFamily="34" charset="0"/>
+              </a:rPr>
+              <a:t>If</a:t>
+            </a:r>
+            <a:r>
+              <a:rPr lang="it-IT" sz="1800" dirty="0" smtClean="0">
+                <a:solidFill>
+                  <a:srgbClr val="000000"/>
+                </a:solidFill>
+                <a:latin typeface="Avenir LT Std 35 Light" panose="020B0402020203020204" pitchFamily="34" charset="0"/>
+              </a:rPr>
+              <a:t> </a:t>
+            </a:r>
+            <a:r>
+              <a:rPr lang="it-IT" sz="1800" dirty="0" err="1" smtClean="0">
+                <a:solidFill>
+                  <a:srgbClr val="000000"/>
+                </a:solidFill>
+                <a:latin typeface="Avenir LT Std 35 Light" panose="020B0402020203020204" pitchFamily="34" charset="0"/>
+              </a:rPr>
+              <a:t>you</a:t>
+            </a:r>
+            <a:r>
+              <a:rPr lang="it-IT" sz="1800" dirty="0" smtClean="0">
+                <a:solidFill>
+                  <a:srgbClr val="000000"/>
+                </a:solidFill>
+                <a:latin typeface="Avenir LT Std 35 Light" panose="020B0402020203020204" pitchFamily="34" charset="0"/>
+              </a:rPr>
+              <a:t> click on a web link, </a:t>
+            </a:r>
+            <a:r>
+              <a:rPr lang="it-IT" sz="1800" dirty="0" err="1" smtClean="0">
+                <a:solidFill>
+                  <a:srgbClr val="000000"/>
+                </a:solidFill>
+                <a:latin typeface="Avenir LT Std 35 Light" panose="020B0402020203020204" pitchFamily="34" charset="0"/>
+              </a:rPr>
+              <a:t>you</a:t>
+            </a:r>
+            <a:r>
+              <a:rPr lang="it-IT" sz="1800" dirty="0" smtClean="0">
+                <a:solidFill>
+                  <a:srgbClr val="000000"/>
+                </a:solidFill>
+                <a:latin typeface="Avenir LT Std 35 Light" panose="020B0402020203020204" pitchFamily="34" charset="0"/>
+              </a:rPr>
+              <a:t> </a:t>
+            </a:r>
+            <a:r>
+              <a:rPr lang="it-IT" sz="1800" dirty="0" err="1" smtClean="0">
+                <a:solidFill>
+                  <a:srgbClr val="000000"/>
+                </a:solidFill>
+                <a:latin typeface="Avenir LT Std 35 Light" panose="020B0402020203020204" pitchFamily="34" charset="0"/>
+              </a:rPr>
+              <a:t>will</a:t>
+            </a:r>
+            <a:r>
+              <a:rPr lang="it-IT" sz="1800" dirty="0" smtClean="0">
+                <a:solidFill>
+                  <a:srgbClr val="000000"/>
+                </a:solidFill>
+                <a:latin typeface="Avenir LT Std 35 Light" panose="020B0402020203020204" pitchFamily="34" charset="0"/>
+              </a:rPr>
+              <a:t> be </a:t>
+            </a:r>
+            <a:r>
+              <a:rPr lang="it-IT" sz="1800" dirty="0" err="1" smtClean="0">
+                <a:solidFill>
+                  <a:srgbClr val="000000"/>
+                </a:solidFill>
+                <a:latin typeface="Avenir LT Std 35 Light" panose="020B0402020203020204" pitchFamily="34" charset="0"/>
+              </a:rPr>
+              <a:t>redirected</a:t>
+            </a:r>
+            <a:r>
+              <a:rPr lang="it-IT" sz="1800" dirty="0" smtClean="0">
+                <a:solidFill>
+                  <a:srgbClr val="000000"/>
+                </a:solidFill>
+                <a:latin typeface="Avenir LT Std 35 Light" panose="020B0402020203020204" pitchFamily="34" charset="0"/>
+              </a:rPr>
+              <a:t> to the site </a:t>
+            </a:r>
+            <a:r>
+              <a:rPr lang="it-IT" sz="1800" dirty="0" err="1" smtClean="0">
+                <a:solidFill>
+                  <a:srgbClr val="000000"/>
+                </a:solidFill>
+                <a:latin typeface="Avenir LT Std 35 Light" panose="020B0402020203020204" pitchFamily="34" charset="0"/>
+              </a:rPr>
+              <a:t>you</a:t>
+            </a:r>
+            <a:r>
+              <a:rPr lang="it-IT" sz="1800" dirty="0" smtClean="0">
+                <a:solidFill>
+                  <a:srgbClr val="000000"/>
+                </a:solidFill>
+                <a:latin typeface="Avenir LT Std 35 Light" panose="020B0402020203020204" pitchFamily="34" charset="0"/>
+              </a:rPr>
+              <a:t> </a:t>
+            </a:r>
+            <a:r>
+              <a:rPr lang="it-IT" sz="1800" dirty="0" err="1" smtClean="0">
+                <a:solidFill>
+                  <a:srgbClr val="000000"/>
+                </a:solidFill>
+                <a:latin typeface="Avenir LT Std 35 Light" panose="020B0402020203020204" pitchFamily="34" charset="0"/>
+              </a:rPr>
+              <a:t>clicked</a:t>
+            </a:r>
+            <a:r>
+              <a:rPr lang="it-IT" sz="1800" dirty="0" smtClean="0">
+                <a:solidFill>
+                  <a:srgbClr val="000000"/>
+                </a:solidFill>
+                <a:latin typeface="Avenir LT Std 35 Light" panose="020B0402020203020204" pitchFamily="34" charset="0"/>
+              </a:rPr>
+              <a:t> (ex: </a:t>
+            </a:r>
+            <a:r>
+              <a:rPr lang="it-IT" sz="1800" dirty="0" err="1" smtClean="0">
+                <a:solidFill>
+                  <a:srgbClr val="000000"/>
+                </a:solidFill>
+                <a:latin typeface="Avenir LT Std 35 Light" panose="020B0402020203020204" pitchFamily="34" charset="0"/>
+              </a:rPr>
+              <a:t>Facebook</a:t>
+            </a:r>
+            <a:r>
+              <a:rPr lang="it-IT" sz="1800" dirty="0" smtClean="0">
+                <a:solidFill>
+                  <a:srgbClr val="000000"/>
+                </a:solidFill>
+                <a:latin typeface="Avenir LT Std 35 Light" panose="020B0402020203020204" pitchFamily="34" charset="0"/>
+              </a:rPr>
+              <a:t> </a:t>
+            </a:r>
+            <a:r>
+              <a:rPr lang="it-IT" sz="1800" dirty="0" err="1" smtClean="0">
+                <a:solidFill>
+                  <a:srgbClr val="000000"/>
+                </a:solidFill>
+                <a:latin typeface="Avenir LT Std 35 Light" panose="020B0402020203020204" pitchFamily="34" charset="0"/>
+              </a:rPr>
+              <a:t>profile</a:t>
+            </a:r>
+            <a:r>
+              <a:rPr lang="it-IT" sz="1800" dirty="0" smtClean="0">
+                <a:solidFill>
+                  <a:srgbClr val="000000"/>
+                </a:solidFill>
+                <a:latin typeface="Avenir LT Std 35 Light" panose="020B0402020203020204" pitchFamily="34" charset="0"/>
+              </a:rPr>
+              <a:t>);</a:t>
+            </a:r>
+          </a:p>
+          <a:p>
+            <a:pPr lvl="1" algn="just"/>
+            <a:r>
+              <a:rPr lang="it-IT" sz="1800" dirty="0" err="1" smtClean="0">
+                <a:solidFill>
+                  <a:srgbClr val="000000"/>
+                </a:solidFill>
+                <a:latin typeface="Avenir LT Std 35 Light" panose="020B0402020203020204" pitchFamily="34" charset="0"/>
+              </a:rPr>
+              <a:t>If</a:t>
+            </a:r>
+            <a:r>
+              <a:rPr lang="it-IT" sz="1800" dirty="0" smtClean="0">
+                <a:solidFill>
+                  <a:srgbClr val="000000"/>
+                </a:solidFill>
+                <a:latin typeface="Avenir LT Std 35 Light" panose="020B0402020203020204" pitchFamily="34" charset="0"/>
+              </a:rPr>
+              <a:t> </a:t>
+            </a:r>
+            <a:r>
+              <a:rPr lang="it-IT" sz="1800" dirty="0" err="1" smtClean="0">
+                <a:solidFill>
+                  <a:srgbClr val="000000"/>
+                </a:solidFill>
+                <a:latin typeface="Avenir LT Std 35 Light" panose="020B0402020203020204" pitchFamily="34" charset="0"/>
+              </a:rPr>
+              <a:t>you</a:t>
+            </a:r>
+            <a:r>
+              <a:rPr lang="it-IT" sz="1800" dirty="0" smtClean="0">
+                <a:solidFill>
+                  <a:srgbClr val="000000"/>
+                </a:solidFill>
+                <a:latin typeface="Avenir LT Std 35 Light" panose="020B0402020203020204" pitchFamily="34" charset="0"/>
+              </a:rPr>
+              <a:t> click on an email, </a:t>
+            </a:r>
+            <a:r>
+              <a:rPr lang="it-IT" sz="1800" dirty="0" err="1" smtClean="0">
+                <a:solidFill>
+                  <a:srgbClr val="000000"/>
+                </a:solidFill>
+                <a:latin typeface="Avenir LT Std 35 Light" panose="020B0402020203020204" pitchFamily="34" charset="0"/>
+              </a:rPr>
+              <a:t>your</a:t>
+            </a:r>
+            <a:r>
+              <a:rPr lang="it-IT" sz="1800" dirty="0" smtClean="0">
+                <a:solidFill>
+                  <a:srgbClr val="000000"/>
+                </a:solidFill>
+                <a:latin typeface="Avenir LT Std 35 Light" panose="020B0402020203020204" pitchFamily="34" charset="0"/>
+              </a:rPr>
+              <a:t> email client </a:t>
+            </a:r>
+            <a:r>
+              <a:rPr lang="it-IT" sz="1800" dirty="0" err="1" smtClean="0">
+                <a:solidFill>
+                  <a:srgbClr val="000000"/>
+                </a:solidFill>
+                <a:latin typeface="Avenir LT Std 35 Light" panose="020B0402020203020204" pitchFamily="34" charset="0"/>
+              </a:rPr>
+              <a:t>will</a:t>
+            </a:r>
+            <a:r>
+              <a:rPr lang="it-IT" sz="1800" dirty="0" smtClean="0">
+                <a:solidFill>
+                  <a:srgbClr val="000000"/>
+                </a:solidFill>
+                <a:latin typeface="Avenir LT Std 35 Light" panose="020B0402020203020204" pitchFamily="34" charset="0"/>
+              </a:rPr>
+              <a:t> open.</a:t>
             </a:r>
           </a:p>
         </p:txBody>
@@ -11466,82 +12106,6 @@
           </a:p>
         </p:txBody>
       </p:sp>
-      <p:sp>
-        <p:nvSpPr>
-          <p:cNvPr id="4" name="CasellaDiTesto 3"/>
-          <p:cNvSpPr txBox="1"/>
-          <p:nvPr/>
-        </p:nvSpPr>
-        <p:spPr>
-          <a:xfrm>
-            <a:off x="7961952" y="4773715"/>
-            <a:ext cx="3200664" cy="923330"/>
-          </a:xfrm>
-          <a:prstGeom prst="rect">
-            <a:avLst/>
-          </a:prstGeom>
-          <a:noFill/>
-        </p:spPr>
-        <p:txBody>
-          <a:bodyPr wrap="square" rtlCol="0">
-            <a:spAutoFit/>
-          </a:bodyPr>
-          <a:lstStyle/>
-          <a:p>
-            <a:r>
-              <a:rPr lang="it-IT" dirty="0" err="1" smtClean="0">
-                <a:latin typeface="Avenir LT Std 35 Light" panose="020B0402020203020204" pitchFamily="34" charset="0"/>
-              </a:rPr>
-              <a:t>Coming</a:t>
-            </a:r>
-            <a:r>
-              <a:rPr lang="it-IT" dirty="0" smtClean="0">
-                <a:latin typeface="Avenir LT Std 35 Light" panose="020B0402020203020204" pitchFamily="34" charset="0"/>
-              </a:rPr>
-              <a:t> </a:t>
-            </a:r>
-            <a:r>
-              <a:rPr lang="it-IT" dirty="0" err="1" smtClean="0">
-                <a:latin typeface="Avenir LT Std 35 Light" panose="020B0402020203020204" pitchFamily="34" charset="0"/>
-              </a:rPr>
-              <a:t>soon</a:t>
-            </a:r>
-            <a:r>
-              <a:rPr lang="it-IT" dirty="0" smtClean="0">
-                <a:latin typeface="Avenir LT Std 35 Light" panose="020B0402020203020204" pitchFamily="34" charset="0"/>
-              </a:rPr>
-              <a:t>:</a:t>
-            </a:r>
-            <a:endParaRPr lang="it-IT" dirty="0">
-              <a:latin typeface="Avenir LT Std 35 Light" panose="020B0402020203020204" pitchFamily="34" charset="0"/>
-            </a:endParaRPr>
-          </a:p>
-          <a:p>
-            <a:pPr marL="285750" indent="-285750">
-              <a:buFont typeface="Arial" panose="020B0604020202020204" pitchFamily="34" charset="0"/>
-              <a:buChar char="•"/>
-            </a:pPr>
-            <a:r>
-              <a:rPr lang="it-IT" dirty="0">
-                <a:latin typeface="Avenir LT Std 35 Light" panose="020B0402020203020204" pitchFamily="34" charset="0"/>
-              </a:rPr>
-              <a:t>Contacts;</a:t>
-            </a:r>
-          </a:p>
-          <a:p>
-            <a:pPr marL="285750" indent="-285750">
-              <a:buFont typeface="Arial" panose="020B0604020202020204" pitchFamily="34" charset="0"/>
-              <a:buChar char="•"/>
-            </a:pPr>
-            <a:r>
-              <a:rPr lang="it-IT" dirty="0">
-                <a:latin typeface="Avenir LT Std 35 Light" panose="020B0402020203020204" pitchFamily="34" charset="0"/>
-              </a:rPr>
-              <a:t>Notes.</a:t>
-            </a:r>
-          </a:p>
-        </p:txBody>
-      </p:sp>
       <p:pic>
         <p:nvPicPr>
           <p:cNvPr id="11" name="Immagine 10"/>
@@ -11551,7 +12115,7 @@
           <p:nvPr/>
         </p:nvPicPr>
         <p:blipFill>
-          <a:blip r:embed="rId4" cstate="print">
+          <a:blip r:embed="rId3" cstate="print">
             <a:duotone>
               <a:schemeClr val="accent1">
                 <a:shade val="45000"/>
@@ -11562,7 +12126,7 @@
             <a:extLst>
               <a:ext uri="{BEBA8EAE-BF5A-486C-A8C5-ECC9F3942E4B}">
                 <a14:imgProps xmlns:a14="http://schemas.microsoft.com/office/drawing/2010/main">
-                  <a14:imgLayer r:embed="rId5">
+                  <a14:imgLayer r:embed="rId4">
                     <a14:imgEffect>
                       <a14:brightnessContrast bright="-98000" contrast="-1000"/>
                     </a14:imgEffect>
@@ -11589,6 +12153,29 @@
           <a:noFill/>
         </p:spPr>
       </p:pic>
+      <p:pic>
+        <p:nvPicPr>
+          <p:cNvPr id="5" name="Immagine 4"/>
+          <p:cNvPicPr>
+            <a:picLocks noChangeAspect="1"/>
+          </p:cNvPicPr>
+          <p:nvPr/>
+        </p:nvPicPr>
+        <p:blipFill rotWithShape="1">
+          <a:blip r:embed="rId5"/>
+          <a:srcRect t="33303" b="18303"/>
+          <a:stretch/>
+        </p:blipFill>
+        <p:spPr>
+          <a:xfrm>
+            <a:off x="1753893" y="1982907"/>
+            <a:ext cx="9560744" cy="2601259"/>
+          </a:xfrm>
+          <a:prstGeom prst="rect">
+            <a:avLst/>
+          </a:prstGeom>
+        </p:spPr>
+      </p:pic>
     </p:spTree>
     <p:extLst>
       <p:ext uri="{BB962C8B-B14F-4D97-AF65-F5344CB8AC3E}">
@@ -11599,6 +12186,13 @@
   <p:clrMapOvr>
     <a:masterClrMapping/>
   </p:clrMapOvr>
+  <p:timing>
+    <p:tnLst>
+      <p:par>
+        <p:cTn id="1" dur="indefinite" restart="never" nodeType="tmRoot"/>
+      </p:par>
+    </p:tnLst>
+  </p:timing>
 </p:sld>
 </file>
 
@@ -11709,241 +12303,6 @@
           </a:p>
         </p:txBody>
       </p:sp>
-      <p:sp>
-        <p:nvSpPr>
-          <p:cNvPr id="9" name="Segnaposto contenuto 2"/>
-          <p:cNvSpPr txBox="1">
-            <a:spLocks/>
-          </p:cNvSpPr>
-          <p:nvPr/>
-        </p:nvSpPr>
-        <p:spPr>
-          <a:xfrm>
-            <a:off x="9313817" y="6486123"/>
-            <a:ext cx="2868710" cy="361406"/>
-          </a:xfrm>
-          <a:prstGeom prst="rect">
-            <a:avLst/>
-          </a:prstGeom>
-        </p:spPr>
-        <p:txBody>
-          <a:bodyPr vert="horz" lIns="91440" tIns="45720" rIns="91440" bIns="45720" rtlCol="0">
-            <a:noAutofit/>
-          </a:bodyPr>
-          <a:lstStyle>
-            <a:lvl1pPr marL="228600" indent="-228600" algn="l" defTabSz="914400" rtl="0" eaLnBrk="1" latinLnBrk="0" hangingPunct="1">
-              <a:lnSpc>
-                <a:spcPct val="90000"/>
-              </a:lnSpc>
-              <a:spcBef>
-                <a:spcPts val="1000"/>
-              </a:spcBef>
-              <a:buFont typeface="Arial" panose="020B0604020202020204" pitchFamily="34" charset="0"/>
-              <a:buChar char="•"/>
-              <a:defRPr sz="2800" kern="1200">
-                <a:solidFill>
-                  <a:schemeClr val="tx1"/>
-                </a:solidFill>
-                <a:latin typeface="+mn-lt"/>
-                <a:ea typeface="+mn-ea"/>
-                <a:cs typeface="+mn-cs"/>
-              </a:defRPr>
-            </a:lvl1pPr>
-            <a:lvl2pPr marL="685800" indent="-228600" algn="l" defTabSz="914400" rtl="0" eaLnBrk="1" latinLnBrk="0" hangingPunct="1">
-              <a:lnSpc>
-                <a:spcPct val="90000"/>
-              </a:lnSpc>
-              <a:spcBef>
-                <a:spcPts val="500"/>
-              </a:spcBef>
-              <a:buFont typeface="Arial" panose="020B0604020202020204" pitchFamily="34" charset="0"/>
-              <a:buChar char="•"/>
-              <a:defRPr sz="2400" kern="1200">
-                <a:solidFill>
-                  <a:schemeClr val="tx1"/>
-                </a:solidFill>
-                <a:latin typeface="+mn-lt"/>
-                <a:ea typeface="+mn-ea"/>
-                <a:cs typeface="+mn-cs"/>
-              </a:defRPr>
-            </a:lvl2pPr>
-            <a:lvl3pPr marL="1143000" indent="-228600" algn="l" defTabSz="914400" rtl="0" eaLnBrk="1" latinLnBrk="0" hangingPunct="1">
-              <a:lnSpc>
-                <a:spcPct val="90000"/>
-              </a:lnSpc>
-              <a:spcBef>
-                <a:spcPts val="500"/>
-              </a:spcBef>
-              <a:buFont typeface="Arial" panose="020B0604020202020204" pitchFamily="34" charset="0"/>
-              <a:buChar char="•"/>
-              <a:defRPr sz="2000" kern="1200">
-                <a:solidFill>
-                  <a:schemeClr val="tx1"/>
-                </a:solidFill>
-                <a:latin typeface="+mn-lt"/>
-                <a:ea typeface="+mn-ea"/>
-                <a:cs typeface="+mn-cs"/>
-              </a:defRPr>
-            </a:lvl3pPr>
-            <a:lvl4pPr marL="1600200" indent="-228600" algn="l" defTabSz="914400" rtl="0" eaLnBrk="1" latinLnBrk="0" hangingPunct="1">
-              <a:lnSpc>
-                <a:spcPct val="90000"/>
-              </a:lnSpc>
-              <a:spcBef>
-                <a:spcPts val="500"/>
-              </a:spcBef>
-              <a:buFont typeface="Arial" panose="020B0604020202020204" pitchFamily="34" charset="0"/>
-              <a:buChar char="•"/>
-              <a:defRPr sz="1800" kern="1200">
-                <a:solidFill>
-                  <a:schemeClr val="tx1"/>
-                </a:solidFill>
-                <a:latin typeface="+mn-lt"/>
-                <a:ea typeface="+mn-ea"/>
-                <a:cs typeface="+mn-cs"/>
-              </a:defRPr>
-            </a:lvl4pPr>
-            <a:lvl5pPr marL="2057400" indent="-228600" algn="l" defTabSz="914400" rtl="0" eaLnBrk="1" latinLnBrk="0" hangingPunct="1">
-              <a:lnSpc>
-                <a:spcPct val="90000"/>
-              </a:lnSpc>
-              <a:spcBef>
-                <a:spcPts val="500"/>
-              </a:spcBef>
-              <a:buFont typeface="Arial" panose="020B0604020202020204" pitchFamily="34" charset="0"/>
-              <a:buChar char="•"/>
-              <a:defRPr sz="1800" kern="1200">
-                <a:solidFill>
-                  <a:schemeClr val="tx1"/>
-                </a:solidFill>
-                <a:latin typeface="+mn-lt"/>
-                <a:ea typeface="+mn-ea"/>
-                <a:cs typeface="+mn-cs"/>
-              </a:defRPr>
-            </a:lvl5pPr>
-            <a:lvl6pPr marL="2514600" indent="-228600" algn="l" defTabSz="914400" rtl="0" eaLnBrk="1" latinLnBrk="0" hangingPunct="1">
-              <a:lnSpc>
-                <a:spcPct val="90000"/>
-              </a:lnSpc>
-              <a:spcBef>
-                <a:spcPts val="500"/>
-              </a:spcBef>
-              <a:buFont typeface="Arial" panose="020B0604020202020204" pitchFamily="34" charset="0"/>
-              <a:buChar char="•"/>
-              <a:defRPr sz="1800" kern="1200">
-                <a:solidFill>
-                  <a:schemeClr val="tx1"/>
-                </a:solidFill>
-                <a:latin typeface="+mn-lt"/>
-                <a:ea typeface="+mn-ea"/>
-                <a:cs typeface="+mn-cs"/>
-              </a:defRPr>
-            </a:lvl6pPr>
-            <a:lvl7pPr marL="2971800" indent="-228600" algn="l" defTabSz="914400" rtl="0" eaLnBrk="1" latinLnBrk="0" hangingPunct="1">
-              <a:lnSpc>
-                <a:spcPct val="90000"/>
-              </a:lnSpc>
-              <a:spcBef>
-                <a:spcPts val="500"/>
-              </a:spcBef>
-              <a:buFont typeface="Arial" panose="020B0604020202020204" pitchFamily="34" charset="0"/>
-              <a:buChar char="•"/>
-              <a:defRPr sz="1800" kern="1200">
-                <a:solidFill>
-                  <a:schemeClr val="tx1"/>
-                </a:solidFill>
-                <a:latin typeface="+mn-lt"/>
-                <a:ea typeface="+mn-ea"/>
-                <a:cs typeface="+mn-cs"/>
-              </a:defRPr>
-            </a:lvl7pPr>
-            <a:lvl8pPr marL="3429000" indent="-228600" algn="l" defTabSz="914400" rtl="0" eaLnBrk="1" latinLnBrk="0" hangingPunct="1">
-              <a:lnSpc>
-                <a:spcPct val="90000"/>
-              </a:lnSpc>
-              <a:spcBef>
-                <a:spcPts val="500"/>
-              </a:spcBef>
-              <a:buFont typeface="Arial" panose="020B0604020202020204" pitchFamily="34" charset="0"/>
-              <a:buChar char="•"/>
-              <a:defRPr sz="1800" kern="1200">
-                <a:solidFill>
-                  <a:schemeClr val="tx1"/>
-                </a:solidFill>
-                <a:latin typeface="+mn-lt"/>
-                <a:ea typeface="+mn-ea"/>
-                <a:cs typeface="+mn-cs"/>
-              </a:defRPr>
-            </a:lvl8pPr>
-            <a:lvl9pPr marL="3886200" indent="-228600" algn="l" defTabSz="914400" rtl="0" eaLnBrk="1" latinLnBrk="0" hangingPunct="1">
-              <a:lnSpc>
-                <a:spcPct val="90000"/>
-              </a:lnSpc>
-              <a:spcBef>
-                <a:spcPts val="500"/>
-              </a:spcBef>
-              <a:buFont typeface="Arial" panose="020B0604020202020204" pitchFamily="34" charset="0"/>
-              <a:buChar char="•"/>
-              <a:defRPr sz="1800" kern="1200">
-                <a:solidFill>
-                  <a:schemeClr val="tx1"/>
-                </a:solidFill>
-                <a:latin typeface="+mn-lt"/>
-                <a:ea typeface="+mn-ea"/>
-                <a:cs typeface="+mn-cs"/>
-              </a:defRPr>
-            </a:lvl9pPr>
-          </a:lstStyle>
-          <a:p>
-            <a:pPr marL="0" indent="0" algn="just">
-              <a:buFont typeface="Arial" panose="020B0604020202020204" pitchFamily="34" charset="0"/>
-              <a:buNone/>
-            </a:pPr>
-            <a:r>
-              <a:rPr lang="it-IT" sz="1600" b="1" dirty="0" smtClean="0">
-                <a:solidFill>
-                  <a:srgbClr val="000000"/>
-                </a:solidFill>
-                <a:latin typeface="Avenir LT Std 35 Light" panose="020B0402020203020204" pitchFamily="34" charset="0"/>
-              </a:rPr>
-              <a:t>In </a:t>
-            </a:r>
-            <a:r>
-              <a:rPr lang="it-IT" sz="1600" b="1" dirty="0" err="1" smtClean="0">
-                <a:solidFill>
-                  <a:srgbClr val="000000"/>
-                </a:solidFill>
-                <a:latin typeface="Avenir LT Std 35 Light" panose="020B0402020203020204" pitchFamily="34" charset="0"/>
-              </a:rPr>
-              <a:t>phase</a:t>
-            </a:r>
-            <a:r>
-              <a:rPr lang="it-IT" sz="1600" b="1" dirty="0" smtClean="0">
-                <a:solidFill>
-                  <a:srgbClr val="000000"/>
-                </a:solidFill>
-                <a:latin typeface="Avenir LT Std 35 Light" panose="020B0402020203020204" pitchFamily="34" charset="0"/>
-              </a:rPr>
-              <a:t> of </a:t>
-            </a:r>
-            <a:r>
-              <a:rPr lang="it-IT" sz="1600" b="1" dirty="0" err="1" smtClean="0">
-                <a:solidFill>
-                  <a:srgbClr val="000000"/>
-                </a:solidFill>
-                <a:latin typeface="Avenir LT Std 35 Light" panose="020B0402020203020204" pitchFamily="34" charset="0"/>
-              </a:rPr>
-              <a:t>implementation</a:t>
-            </a:r>
-            <a:endParaRPr lang="it-IT" sz="1600" b="1" dirty="0">
-              <a:solidFill>
-                <a:srgbClr val="000000"/>
-              </a:solidFill>
-              <a:latin typeface="Avenir LT Std 35 Light" panose="020B0402020203020204" pitchFamily="34" charset="0"/>
-            </a:endParaRPr>
-          </a:p>
-        </p:txBody>
-      </p:sp>
       <p:pic>
         <p:nvPicPr>
           <p:cNvPr id="11" name="Immagine 10"/>
@@ -11975,29 +12334,6 @@
       </p:pic>
       <p:pic>
         <p:nvPicPr>
-          <p:cNvPr id="12" name="Immagine 11"/>
-          <p:cNvPicPr>
-            <a:picLocks noChangeAspect="1"/>
-          </p:cNvPicPr>
-          <p:nvPr/>
-        </p:nvPicPr>
-        <p:blipFill rotWithShape="1">
-          <a:blip r:embed="rId3"/>
-          <a:srcRect t="17786" b="13870"/>
-          <a:stretch/>
-        </p:blipFill>
-        <p:spPr>
-          <a:xfrm>
-            <a:off x="1024576" y="2242869"/>
-            <a:ext cx="10589996" cy="4069082"/>
-          </a:xfrm>
-          <a:prstGeom prst="rect">
-            <a:avLst/>
-          </a:prstGeom>
-        </p:spPr>
-      </p:pic>
-      <p:pic>
-        <p:nvPicPr>
           <p:cNvPr id="7" name="Immagine 6"/>
           <p:cNvPicPr>
             <a:picLocks noChangeAspect="1"/>
@@ -12005,7 +12341,7 @@
           <p:nvPr/>
         </p:nvPicPr>
         <p:blipFill>
-          <a:blip r:embed="rId4" cstate="print">
+          <a:blip r:embed="rId3" cstate="print">
             <a:duotone>
               <a:schemeClr val="accent1">
                 <a:shade val="45000"/>
@@ -12016,7 +12352,7 @@
             <a:extLst>
               <a:ext uri="{BEBA8EAE-BF5A-486C-A8C5-ECC9F3942E4B}">
                 <a14:imgProps xmlns:a14="http://schemas.microsoft.com/office/drawing/2010/main">
-                  <a14:imgLayer r:embed="rId5">
+                  <a14:imgLayer r:embed="rId4">
                     <a14:imgEffect>
                       <a14:brightnessContrast bright="-98000" contrast="-1000"/>
                     </a14:imgEffect>
@@ -12043,6 +12379,29 @@
           <a:noFill/>
         </p:spPr>
       </p:pic>
+      <p:pic>
+        <p:nvPicPr>
+          <p:cNvPr id="4" name="Immagine 3"/>
+          <p:cNvPicPr>
+            <a:picLocks noChangeAspect="1"/>
+          </p:cNvPicPr>
+          <p:nvPr/>
+        </p:nvPicPr>
+        <p:blipFill rotWithShape="1">
+          <a:blip r:embed="rId5"/>
+          <a:srcRect l="-1370" t="8125" r="23964" b="9197"/>
+          <a:stretch/>
+        </p:blipFill>
+        <p:spPr>
+          <a:xfrm>
+            <a:off x="2906679" y="2068894"/>
+            <a:ext cx="7255172" cy="4356867"/>
+          </a:xfrm>
+          <a:prstGeom prst="rect">
+            <a:avLst/>
+          </a:prstGeom>
+        </p:spPr>
+      </p:pic>
     </p:spTree>
     <p:extLst>
       <p:ext uri="{BB962C8B-B14F-4D97-AF65-F5344CB8AC3E}">
@@ -12053,6 +12412,13 @@
   <p:clrMapOvr>
     <a:masterClrMapping/>
   </p:clrMapOvr>
+  <p:timing>
+    <p:tnLst>
+      <p:par>
+        <p:cTn id="1" dur="indefinite" restart="never" nodeType="tmRoot"/>
+      </p:par>
+    </p:tnLst>
+  </p:timing>
 </p:sld>
 </file>
 

--- a/resources/EN - Suit Database.pptx
+++ b/resources/EN - Suit Database.pptx
@@ -267,7 +267,7 @@
           <a:p>
             <a:fld id="{6705913C-D455-491B-A56E-B276DCE62E7A}" type="datetimeFigureOut">
               <a:rPr lang="it-IT" smtClean="0"/>
-              <a:t>02/04/2019</a:t>
+              <a:t>03/04/2019</a:t>
             </a:fld>
             <a:endParaRPr lang="it-IT"/>
           </a:p>
@@ -437,7 +437,7 @@
           <a:p>
             <a:fld id="{6705913C-D455-491B-A56E-B276DCE62E7A}" type="datetimeFigureOut">
               <a:rPr lang="it-IT" smtClean="0"/>
-              <a:t>02/04/2019</a:t>
+              <a:t>03/04/2019</a:t>
             </a:fld>
             <a:endParaRPr lang="it-IT"/>
           </a:p>
@@ -617,7 +617,7 @@
           <a:p>
             <a:fld id="{6705913C-D455-491B-A56E-B276DCE62E7A}" type="datetimeFigureOut">
               <a:rPr lang="it-IT" smtClean="0"/>
-              <a:t>02/04/2019</a:t>
+              <a:t>03/04/2019</a:t>
             </a:fld>
             <a:endParaRPr lang="it-IT"/>
           </a:p>
@@ -839,7 +839,7 @@
           <a:p>
             <a:fld id="{6705913C-D455-491B-A56E-B276DCE62E7A}" type="datetimeFigureOut">
               <a:rPr lang="it-IT" smtClean="0"/>
-              <a:t>02/04/2019</a:t>
+              <a:t>03/04/2019</a:t>
             </a:fld>
             <a:endParaRPr lang="it-IT"/>
           </a:p>
@@ -1164,7 +1164,7 @@
           <a:p>
             <a:fld id="{6705913C-D455-491B-A56E-B276DCE62E7A}" type="datetimeFigureOut">
               <a:rPr lang="it-IT" smtClean="0"/>
-              <a:t>02/04/2019</a:t>
+              <a:t>03/04/2019</a:t>
             </a:fld>
             <a:endParaRPr lang="it-IT"/>
           </a:p>
@@ -1436,7 +1436,7 @@
           <a:p>
             <a:fld id="{6705913C-D455-491B-A56E-B276DCE62E7A}" type="datetimeFigureOut">
               <a:rPr lang="it-IT" smtClean="0"/>
-              <a:t>02/04/2019</a:t>
+              <a:t>03/04/2019</a:t>
             </a:fld>
             <a:endParaRPr lang="it-IT"/>
           </a:p>
@@ -1830,7 +1830,7 @@
           <a:p>
             <a:fld id="{6705913C-D455-491B-A56E-B276DCE62E7A}" type="datetimeFigureOut">
               <a:rPr lang="it-IT" smtClean="0"/>
-              <a:t>02/04/2019</a:t>
+              <a:t>03/04/2019</a:t>
             </a:fld>
             <a:endParaRPr lang="it-IT"/>
           </a:p>
@@ -2307,7 +2307,7 @@
           <a:p>
             <a:fld id="{6705913C-D455-491B-A56E-B276DCE62E7A}" type="datetimeFigureOut">
               <a:rPr lang="it-IT" smtClean="0"/>
-              <a:t>02/04/2019</a:t>
+              <a:t>03/04/2019</a:t>
             </a:fld>
             <a:endParaRPr lang="it-IT"/>
           </a:p>
@@ -2425,7 +2425,7 @@
           <a:p>
             <a:fld id="{6705913C-D455-491B-A56E-B276DCE62E7A}" type="datetimeFigureOut">
               <a:rPr lang="it-IT" smtClean="0"/>
-              <a:t>02/04/2019</a:t>
+              <a:t>03/04/2019</a:t>
             </a:fld>
             <a:endParaRPr lang="it-IT"/>
           </a:p>
@@ -2520,7 +2520,7 @@
           <a:p>
             <a:fld id="{6705913C-D455-491B-A56E-B276DCE62E7A}" type="datetimeFigureOut">
               <a:rPr lang="it-IT" smtClean="0"/>
-              <a:t>02/04/2019</a:t>
+              <a:t>03/04/2019</a:t>
             </a:fld>
             <a:endParaRPr lang="it-IT"/>
           </a:p>
@@ -2866,7 +2866,7 @@
           <a:p>
             <a:fld id="{6705913C-D455-491B-A56E-B276DCE62E7A}" type="datetimeFigureOut">
               <a:rPr lang="it-IT" smtClean="0"/>
-              <a:t>02/04/2019</a:t>
+              <a:t>03/04/2019</a:t>
             </a:fld>
             <a:endParaRPr lang="it-IT"/>
           </a:p>
@@ -3100,7 +3100,7 @@
           <a:p>
             <a:fld id="{6705913C-D455-491B-A56E-B276DCE62E7A}" type="datetimeFigureOut">
               <a:rPr lang="it-IT" smtClean="0"/>
-              <a:t>02/04/2019</a:t>
+              <a:t>03/04/2019</a:t>
             </a:fld>
             <a:endParaRPr lang="it-IT"/>
           </a:p>
@@ -3424,7 +3424,7 @@
           <a:p>
             <a:fld id="{6705913C-D455-491B-A56E-B276DCE62E7A}" type="datetimeFigureOut">
               <a:rPr lang="it-IT" smtClean="0"/>
-              <a:t>02/04/2019</a:t>
+              <a:t>03/04/2019</a:t>
             </a:fld>
             <a:endParaRPr lang="it-IT"/>
           </a:p>
@@ -3663,7 +3663,7 @@
           <a:p>
             <a:fld id="{6705913C-D455-491B-A56E-B276DCE62E7A}" type="datetimeFigureOut">
               <a:rPr lang="it-IT" smtClean="0"/>
-              <a:t>02/04/2019</a:t>
+              <a:t>03/04/2019</a:t>
             </a:fld>
             <a:endParaRPr lang="it-IT"/>
           </a:p>
@@ -3843,7 +3843,7 @@
           <a:p>
             <a:fld id="{6705913C-D455-491B-A56E-B276DCE62E7A}" type="datetimeFigureOut">
               <a:rPr lang="it-IT" smtClean="0"/>
-              <a:t>02/04/2019</a:t>
+              <a:t>03/04/2019</a:t>
             </a:fld>
             <a:endParaRPr lang="it-IT"/>
           </a:p>
@@ -4094,7 +4094,7 @@
           <a:p>
             <a:fld id="{6705913C-D455-491B-A56E-B276DCE62E7A}" type="datetimeFigureOut">
               <a:rPr lang="it-IT" smtClean="0"/>
-              <a:t>02/04/2019</a:t>
+              <a:t>03/04/2019</a:t>
             </a:fld>
             <a:endParaRPr lang="it-IT"/>
           </a:p>
@@ -4326,7 +4326,7 @@
           <a:p>
             <a:fld id="{6705913C-D455-491B-A56E-B276DCE62E7A}" type="datetimeFigureOut">
               <a:rPr lang="it-IT" smtClean="0"/>
-              <a:t>02/04/2019</a:t>
+              <a:t>03/04/2019</a:t>
             </a:fld>
             <a:endParaRPr lang="it-IT"/>
           </a:p>
@@ -4673,7 +4673,7 @@
           <a:p>
             <a:fld id="{6705913C-D455-491B-A56E-B276DCE62E7A}" type="datetimeFigureOut">
               <a:rPr lang="it-IT" smtClean="0"/>
-              <a:t>02/04/2019</a:t>
+              <a:t>03/04/2019</a:t>
             </a:fld>
             <a:endParaRPr lang="it-IT"/>
           </a:p>
@@ -4791,7 +4791,7 @@
           <a:p>
             <a:fld id="{6705913C-D455-491B-A56E-B276DCE62E7A}" type="datetimeFigureOut">
               <a:rPr lang="it-IT" smtClean="0"/>
-              <a:t>02/04/2019</a:t>
+              <a:t>03/04/2019</a:t>
             </a:fld>
             <a:endParaRPr lang="it-IT"/>
           </a:p>
@@ -4909,7 +4909,7 @@
           <a:p>
             <a:fld id="{6705913C-D455-491B-A56E-B276DCE62E7A}" type="datetimeFigureOut">
               <a:rPr lang="it-IT" smtClean="0"/>
-              <a:t>02/04/2019</a:t>
+              <a:t>03/04/2019</a:t>
             </a:fld>
             <a:endParaRPr lang="it-IT"/>
           </a:p>
@@ -5193,7 +5193,7 @@
           <a:p>
             <a:fld id="{6705913C-D455-491B-A56E-B276DCE62E7A}" type="datetimeFigureOut">
               <a:rPr lang="it-IT" smtClean="0"/>
-              <a:t>02/04/2019</a:t>
+              <a:t>03/04/2019</a:t>
             </a:fld>
             <a:endParaRPr lang="it-IT"/>
           </a:p>
@@ -5457,7 +5457,7 @@
           <a:p>
             <a:fld id="{6705913C-D455-491B-A56E-B276DCE62E7A}" type="datetimeFigureOut">
               <a:rPr lang="it-IT" smtClean="0"/>
-              <a:t>02/04/2019</a:t>
+              <a:t>03/04/2019</a:t>
             </a:fld>
             <a:endParaRPr lang="it-IT"/>
           </a:p>
@@ -5671,7 +5671,7 @@
           <a:p>
             <a:fld id="{6705913C-D455-491B-A56E-B276DCE62E7A}" type="datetimeFigureOut">
               <a:rPr lang="it-IT" smtClean="0"/>
-              <a:t>02/04/2019</a:t>
+              <a:t>03/04/2019</a:t>
             </a:fld>
             <a:endParaRPr lang="it-IT"/>
           </a:p>
@@ -6201,7 +6201,7 @@
           <a:p>
             <a:fld id="{6705913C-D455-491B-A56E-B276DCE62E7A}" type="datetimeFigureOut">
               <a:rPr lang="it-IT" smtClean="0"/>
-              <a:t>02/04/2019</a:t>
+              <a:t>03/04/2019</a:t>
             </a:fld>
             <a:endParaRPr lang="it-IT"/>
           </a:p>
@@ -7812,7 +7812,25 @@
                 </a:solidFill>
                 <a:latin typeface="Avenir LT Std 35 Light" panose="020B0402020203020204" pitchFamily="34" charset="0"/>
               </a:rPr>
-              <a:t>Our software has the goal to help the company with the hiring process.</a:t>
+              <a:t>Our software has the goal to help the </a:t>
+            </a:r>
+            <a:r>
+              <a:rPr lang="en-US" dirty="0" smtClean="0">
+                <a:solidFill>
+                  <a:srgbClr val="000000"/>
+                </a:solidFill>
+                <a:latin typeface="Avenir LT Std 35 Light" panose="020B0402020203020204" pitchFamily="34" charset="0"/>
+              </a:rPr>
+              <a:t>company during the </a:t>
+            </a:r>
+            <a:r>
+              <a:rPr lang="en-US" dirty="0">
+                <a:solidFill>
+                  <a:srgbClr val="000000"/>
+                </a:solidFill>
+                <a:latin typeface="Avenir LT Std 35 Light" panose="020B0402020203020204" pitchFamily="34" charset="0"/>
+              </a:rPr>
+              <a:t>hiring process.</a:t>
             </a:r>
           </a:p>
           <a:p>
@@ -7883,40 +7901,13 @@
               <a:t>better</a:t>
             </a:r>
             <a:r>
-              <a:rPr lang="it-IT" dirty="0" smtClean="0">
-                <a:solidFill>
-                  <a:srgbClr val="000000"/>
-                </a:solidFill>
-                <a:latin typeface="Avenir LT Std 35 Light" panose="020B0402020203020204" pitchFamily="34" charset="0"/>
-              </a:rPr>
-              <a:t> </a:t>
-            </a:r>
-            <a:r>
-              <a:rPr lang="it-IT" dirty="0" err="1" smtClean="0">
-                <a:solidFill>
-                  <a:srgbClr val="000000"/>
-                </a:solidFill>
-                <a:latin typeface="Avenir LT Std 35 Light" panose="020B0402020203020204" pitchFamily="34" charset="0"/>
-              </a:rPr>
-              <a:t>user-friendly</a:t>
-            </a:r>
-            <a:r>
-              <a:rPr lang="it-IT" dirty="0" smtClean="0">
-                <a:solidFill>
-                  <a:srgbClr val="000000"/>
-                </a:solidFill>
-                <a:latin typeface="Avenir LT Std 35 Light" panose="020B0402020203020204" pitchFamily="34" charset="0"/>
-              </a:rPr>
-              <a:t> </a:t>
-            </a:r>
-            <a:r>
-              <a:rPr lang="it-IT" dirty="0" err="1" smtClean="0">
-                <a:solidFill>
-                  <a:srgbClr val="000000"/>
-                </a:solidFill>
-                <a:latin typeface="Avenir LT Std 35 Light" panose="020B0402020203020204" pitchFamily="34" charset="0"/>
-              </a:rPr>
-              <a:t>interface</a:t>
+              <a:rPr lang="it-IT" smtClean="0">
+                <a:solidFill>
+                  <a:srgbClr val="000000"/>
+                </a:solidFill>
+                <a:latin typeface="Avenir LT Std 35 Light" panose="020B0402020203020204" pitchFamily="34" charset="0"/>
+              </a:rPr>
+              <a:t> interface</a:t>
             </a:r>
             <a:r>
               <a:rPr lang="it-IT" dirty="0" smtClean="0">
